--- a/PPT/Understanding the JVM.pptx
+++ b/PPT/Understanding the JVM.pptx
@@ -313,7 +313,7 @@
             <a:fld id="{5E9302A7-8594-484F-B726-A0F71F65036D}" type="datetimeFigureOut">
               <a:rPr lang="zh-CN" altLang="en-US" smtClean="0"/>
               <a:pPr/>
-              <a:t>2017/11/9</a:t>
+              <a:t>2019/7/22</a:t>
             </a:fld>
             <a:endParaRPr lang="zh-CN" altLang="en-US"/>
           </a:p>
@@ -480,7 +480,7 @@
             <a:fld id="{A5A8A0BA-708B-4B98-852A-71DC09C17B9A}" type="datetimeFigureOut">
               <a:rPr lang="zh-CN" altLang="en-US" smtClean="0"/>
               <a:pPr/>
-              <a:t>2017/11/9</a:t>
+              <a:t>2019/7/22</a:t>
             </a:fld>
             <a:endParaRPr lang="zh-CN" altLang="en-US"/>
           </a:p>
@@ -1349,10 +1349,138 @@
           <a:lstStyle/>
           <a:p>
             <a:r>
+              <a:rPr lang="en-US" altLang="zh-CN" dirty="0" smtClean="0"/>
+              <a:t>/*</a:t>
+            </a:r>
+          </a:p>
+          <a:p>
+            <a:r>
               <a:rPr lang="zh-CN" altLang="en-US" dirty="0" smtClean="0"/>
-              <a:t>类元数据的指针： 并不是所有虚拟机实现都必须在对象数据上保留类型指针</a:t>
-            </a:r>
-            <a:endParaRPr lang="en-US" dirty="0"/>
+              <a:t>静态代码块      </a:t>
+            </a:r>
+            <a:r>
+              <a:rPr lang="en-US" altLang="zh-CN" dirty="0" smtClean="0"/>
+              <a:t>farther</a:t>
+            </a:r>
+          </a:p>
+          <a:p>
+            <a:r>
+              <a:rPr lang="zh-CN" altLang="en-US" dirty="0" smtClean="0"/>
+              <a:t>静态代码块</a:t>
+            </a:r>
+            <a:r>
+              <a:rPr lang="en-US" altLang="zh-CN" dirty="0" smtClean="0"/>
+              <a:t>1  counter1=0  counter2=0</a:t>
+            </a:r>
+          </a:p>
+          <a:p>
+            <a:r>
+              <a:rPr lang="zh-CN" altLang="en-US" dirty="0" smtClean="0"/>
+              <a:t>静态代码块</a:t>
+            </a:r>
+            <a:r>
+              <a:rPr lang="en-US" altLang="zh-CN" dirty="0" smtClean="0"/>
+              <a:t>2  counter1=0  counter2=1</a:t>
+            </a:r>
+          </a:p>
+          <a:p>
+            <a:r>
+              <a:rPr lang="zh-CN" altLang="en-US" dirty="0" smtClean="0"/>
+              <a:t>构造代码块  </a:t>
+            </a:r>
+            <a:r>
+              <a:rPr lang="en-US" altLang="zh-CN" dirty="0" smtClean="0"/>
+              <a:t>farther</a:t>
+            </a:r>
+          </a:p>
+          <a:p>
+            <a:r>
+              <a:rPr lang="en-US" altLang="zh-CN" dirty="0" smtClean="0"/>
+              <a:t>call farther counter1=0  counter2=1</a:t>
+            </a:r>
+          </a:p>
+          <a:p>
+            <a:r>
+              <a:rPr lang="zh-CN" altLang="en-US" dirty="0" smtClean="0"/>
+              <a:t>构造代码块  </a:t>
+            </a:r>
+            <a:r>
+              <a:rPr lang="en-US" altLang="zh-CN" dirty="0" smtClean="0"/>
+              <a:t>counter1=2  counter2=1</a:t>
+            </a:r>
+          </a:p>
+          <a:p>
+            <a:r>
+              <a:rPr lang="en-US" altLang="zh-CN" dirty="0" smtClean="0"/>
+              <a:t>call Singleton</a:t>
+            </a:r>
+          </a:p>
+          <a:p>
+            <a:r>
+              <a:rPr lang="zh-CN" altLang="en-US" dirty="0" smtClean="0"/>
+              <a:t>静态代码块</a:t>
+            </a:r>
+            <a:r>
+              <a:rPr lang="en-US" altLang="zh-CN" dirty="0" smtClean="0"/>
+              <a:t>3  counter1=3  counter2=2</a:t>
+            </a:r>
+          </a:p>
+          <a:p>
+            <a:r>
+              <a:rPr lang="zh-CN" altLang="en-US" dirty="0" smtClean="0"/>
+              <a:t>构造代码块  </a:t>
+            </a:r>
+            <a:r>
+              <a:rPr lang="en-US" altLang="zh-CN" dirty="0" smtClean="0"/>
+              <a:t>farther</a:t>
+            </a:r>
+          </a:p>
+          <a:p>
+            <a:r>
+              <a:rPr lang="en-US" altLang="zh-CN" dirty="0" smtClean="0"/>
+              <a:t>call farther counter1=3  counter2=2</a:t>
+            </a:r>
+          </a:p>
+          <a:p>
+            <a:r>
+              <a:rPr lang="zh-CN" altLang="en-US" dirty="0" smtClean="0"/>
+              <a:t>构造代码块  </a:t>
+            </a:r>
+            <a:r>
+              <a:rPr lang="en-US" altLang="zh-CN" dirty="0" smtClean="0"/>
+              <a:t>counter1=5  counter2=2</a:t>
+            </a:r>
+          </a:p>
+          <a:p>
+            <a:r>
+              <a:rPr lang="en-US" altLang="zh-CN" dirty="0" smtClean="0"/>
+              <a:t>call Singleton</a:t>
+            </a:r>
+          </a:p>
+          <a:p>
+            <a:r>
+              <a:rPr lang="en-US" altLang="zh-CN" dirty="0" smtClean="0"/>
+              <a:t>counter1=6</a:t>
+            </a:r>
+          </a:p>
+          <a:p>
+            <a:r>
+              <a:rPr lang="en-US" altLang="zh-CN" dirty="0" smtClean="0"/>
+              <a:t>counter2=3</a:t>
+            </a:r>
+          </a:p>
+          <a:p>
+            <a:endParaRPr lang="en-US" altLang="zh-CN" dirty="0" smtClean="0"/>
+          </a:p>
+          <a:p>
+            <a:r>
+              <a:rPr lang="en-US" altLang="zh-CN" dirty="0" smtClean="0"/>
+              <a:t>*/</a:t>
+            </a:r>
+            <a:endParaRPr lang="zh-CN" altLang="en-US" smtClean="0"/>
+          </a:p>
+          <a:p>
+            <a:endParaRPr lang="en-US"/>
           </a:p>
         </p:txBody>
       </p:sp>
@@ -1374,7 +1502,7 @@
             <a:fld id="{FFCBB8A4-BEC6-4942-9910-EEBD28E3DAB9}" type="slidenum">
               <a:rPr lang="zh-CN" altLang="en-US" smtClean="0"/>
               <a:pPr/>
-              <a:t>33</a:t>
+              <a:t>30</a:t>
             </a:fld>
             <a:endParaRPr lang="zh-CN" altLang="en-US"/>
           </a:p>
@@ -1383,7 +1511,7 @@
     </p:spTree>
     <p:extLst>
       <p:ext uri="{BB962C8B-B14F-4D97-AF65-F5344CB8AC3E}">
-        <p14:creationId xmlns:p14="http://schemas.microsoft.com/office/powerpoint/2010/main" val="2192066313"/>
+        <p14:creationId xmlns:p14="http://schemas.microsoft.com/office/powerpoint/2010/main" val="2615276200"/>
       </p:ext>
     </p:extLst>
   </p:cSld>
@@ -1437,6 +1565,10 @@
           <a:bodyPr/>
           <a:lstStyle/>
           <a:p>
+            <a:r>
+              <a:rPr lang="zh-CN" altLang="en-US" dirty="0" smtClean="0"/>
+              <a:t>类元数据的指针： 并不是所有虚拟机实现都必须在对象数据上保留类型指针</a:t>
+            </a:r>
             <a:endParaRPr lang="en-US" dirty="0"/>
           </a:p>
         </p:txBody>
@@ -1459,7 +1591,7 @@
             <a:fld id="{FFCBB8A4-BEC6-4942-9910-EEBD28E3DAB9}" type="slidenum">
               <a:rPr lang="zh-CN" altLang="en-US" smtClean="0"/>
               <a:pPr/>
-              <a:t>36</a:t>
+              <a:t>33</a:t>
             </a:fld>
             <a:endParaRPr lang="zh-CN" altLang="en-US"/>
           </a:p>
@@ -1468,7 +1600,7 @@
     </p:spTree>
     <p:extLst>
       <p:ext uri="{BB962C8B-B14F-4D97-AF65-F5344CB8AC3E}">
-        <p14:creationId xmlns:p14="http://schemas.microsoft.com/office/powerpoint/2010/main" val="872027620"/>
+        <p14:creationId xmlns:p14="http://schemas.microsoft.com/office/powerpoint/2010/main" val="2192066313"/>
       </p:ext>
     </p:extLst>
   </p:cSld>
@@ -1497,7 +1629,7 @@
       </p:grpSpPr>
       <p:sp>
         <p:nvSpPr>
-          <p:cNvPr id="2" name="幻灯片图像占位符 1"/>
+          <p:cNvPr id="2" name="Slide Image Placeholder 1"/>
           <p:cNvSpPr>
             <a:spLocks noGrp="1" noRot="1" noChangeAspect="1"/>
           </p:cNvSpPr>
@@ -1509,7 +1641,7 @@
       </p:sp>
       <p:sp>
         <p:nvSpPr>
-          <p:cNvPr id="3" name="备注占位符 2"/>
+          <p:cNvPr id="3" name="Notes Placeholder 2"/>
           <p:cNvSpPr>
             <a:spLocks noGrp="1"/>
           </p:cNvSpPr>
@@ -1522,13 +1654,13 @@
           <a:bodyPr/>
           <a:lstStyle/>
           <a:p>
-            <a:endParaRPr lang="zh-CN" altLang="en-US" b="0" dirty="0"/>
-          </a:p>
-        </p:txBody>
-      </p:sp>
-      <p:sp>
-        <p:nvSpPr>
-          <p:cNvPr id="4" name="灯片编号占位符 3"/>
+            <a:endParaRPr lang="en-US" dirty="0"/>
+          </a:p>
+        </p:txBody>
+      </p:sp>
+      <p:sp>
+        <p:nvSpPr>
+          <p:cNvPr id="4" name="Slide Number Placeholder 3"/>
           <p:cNvSpPr>
             <a:spLocks noGrp="1"/>
           </p:cNvSpPr>
@@ -1544,7 +1676,7 @@
             <a:fld id="{FFCBB8A4-BEC6-4942-9910-EEBD28E3DAB9}" type="slidenum">
               <a:rPr lang="zh-CN" altLang="en-US" smtClean="0"/>
               <a:pPr/>
-              <a:t>42</a:t>
+              <a:t>36</a:t>
             </a:fld>
             <a:endParaRPr lang="zh-CN" altLang="en-US"/>
           </a:p>
@@ -1553,7 +1685,7 @@
     </p:spTree>
     <p:extLst>
       <p:ext uri="{BB962C8B-B14F-4D97-AF65-F5344CB8AC3E}">
-        <p14:creationId xmlns:p14="http://schemas.microsoft.com/office/powerpoint/2010/main" val="2121567194"/>
+        <p14:creationId xmlns:p14="http://schemas.microsoft.com/office/powerpoint/2010/main" val="872027620"/>
       </p:ext>
     </p:extLst>
   </p:cSld>
@@ -1607,128 +1739,7 @@
           <a:bodyPr/>
           <a:lstStyle/>
           <a:p>
-            <a:r>
-              <a:rPr lang="zh-CN" altLang="en-US" sz="1200" b="1" kern="1200" dirty="0" smtClean="0">
-                <a:solidFill>
-                  <a:schemeClr val="tx1"/>
-                </a:solidFill>
-                <a:effectLst/>
-                <a:latin typeface="+mn-lt"/>
-                <a:ea typeface="+mn-ea"/>
-                <a:cs typeface="+mn-cs"/>
-              </a:rPr>
-              <a:t>动态连接</a:t>
-            </a:r>
-            <a:endParaRPr lang="zh-CN" altLang="en-US" b="1" dirty="0" smtClean="0"/>
-          </a:p>
-          <a:p>
-            <a:r>
-              <a:rPr lang="zh-CN" altLang="en-US" dirty="0" smtClean="0"/>
-              <a:t>每个栈帧都包含一个执行运行时常量池中该栈帧所属方法的引用，持有这个引用是为了支持方法调用过程中的</a:t>
-            </a:r>
-            <a:r>
-              <a:rPr lang="zh-CN" altLang="en-US" sz="1200" b="1" kern="1200" dirty="0" smtClean="0">
-                <a:solidFill>
-                  <a:schemeClr val="tx1"/>
-                </a:solidFill>
-                <a:effectLst/>
-                <a:latin typeface="+mn-lt"/>
-                <a:ea typeface="+mn-ea"/>
-                <a:cs typeface="+mn-cs"/>
-              </a:rPr>
-              <a:t>动态连接</a:t>
-            </a:r>
-            <a:r>
-              <a:rPr lang="zh-CN" altLang="en-US" dirty="0" smtClean="0"/>
-              <a:t>（</a:t>
-            </a:r>
-            <a:r>
-              <a:rPr lang="en-US" altLang="zh-CN" dirty="0" smtClean="0"/>
-              <a:t>Dynamic Linking</a:t>
-            </a:r>
-            <a:r>
-              <a:rPr lang="zh-CN" altLang="en-US" dirty="0" smtClean="0"/>
-              <a:t>）。</a:t>
-            </a:r>
-          </a:p>
-          <a:p>
-            <a:r>
-              <a:rPr lang="en-US" altLang="zh-CN" dirty="0" smtClean="0"/>
-              <a:t>Class </a:t>
-            </a:r>
-            <a:r>
-              <a:rPr lang="zh-CN" altLang="en-US" dirty="0" smtClean="0"/>
-              <a:t>文件中存放了大量的符号引用，字节码中的方法调用指令就是以常量池中指向方法的符号引用作为参数。这些符号引用一部分会在类加载阶段或第一次使用时转化为直接引用，这种转化称为</a:t>
-            </a:r>
-            <a:r>
-              <a:rPr lang="zh-CN" altLang="en-US" sz="1200" b="1" kern="1200" dirty="0" smtClean="0">
-                <a:solidFill>
-                  <a:schemeClr val="tx1"/>
-                </a:solidFill>
-                <a:effectLst/>
-                <a:latin typeface="+mn-lt"/>
-                <a:ea typeface="+mn-ea"/>
-                <a:cs typeface="+mn-cs"/>
-              </a:rPr>
-              <a:t>静态解析</a:t>
-            </a:r>
-            <a:r>
-              <a:rPr lang="zh-CN" altLang="en-US" dirty="0" smtClean="0"/>
-              <a:t>。另一部分将在每一次运行期间转化为直接引用，这部分称为</a:t>
-            </a:r>
-            <a:r>
-              <a:rPr lang="zh-CN" altLang="en-US" sz="1200" b="1" kern="1200" dirty="0" smtClean="0">
-                <a:solidFill>
-                  <a:schemeClr val="tx1"/>
-                </a:solidFill>
-                <a:effectLst/>
-                <a:latin typeface="+mn-lt"/>
-                <a:ea typeface="+mn-ea"/>
-                <a:cs typeface="+mn-cs"/>
-              </a:rPr>
-              <a:t>动态连接</a:t>
-            </a:r>
-            <a:endParaRPr lang="zh-CN" altLang="en-US" dirty="0" smtClean="0"/>
-          </a:p>
-          <a:p>
-            <a:endParaRPr lang="en-US" altLang="zh-CN" dirty="0" smtClean="0"/>
-          </a:p>
-          <a:p>
-            <a:r>
-              <a:rPr lang="zh-CN" altLang="en-US" sz="1200" b="1" kern="1200" dirty="0" smtClean="0">
-                <a:solidFill>
-                  <a:schemeClr val="tx1"/>
-                </a:solidFill>
-                <a:effectLst/>
-                <a:latin typeface="+mn-lt"/>
-                <a:ea typeface="+mn-ea"/>
-                <a:cs typeface="+mn-cs"/>
-              </a:rPr>
-              <a:t>附加信息</a:t>
-            </a:r>
-            <a:endParaRPr lang="zh-CN" altLang="en-US" b="1" dirty="0" smtClean="0"/>
-          </a:p>
-          <a:p>
-            <a:r>
-              <a:rPr lang="zh-CN" altLang="en-US" dirty="0" smtClean="0"/>
-              <a:t>虚拟机规范并没有规定具体虚拟机实现包含什么附加信息，这部分的内容完全取决于具体实现。在实际开发中，一般会把动态连接，方法返回地址和附加信息全部归为一类，称为</a:t>
-            </a:r>
-            <a:r>
-              <a:rPr lang="zh-CN" altLang="en-US" sz="1200" b="1" kern="1200" dirty="0" smtClean="0">
-                <a:solidFill>
-                  <a:schemeClr val="tx1"/>
-                </a:solidFill>
-                <a:effectLst/>
-                <a:latin typeface="+mn-lt"/>
-                <a:ea typeface="+mn-ea"/>
-                <a:cs typeface="+mn-cs"/>
-              </a:rPr>
-              <a:t>栈帧信息</a:t>
-            </a:r>
-            <a:endParaRPr lang="zh-CN" altLang="en-US" dirty="0" smtClean="0"/>
-          </a:p>
-          <a:p>
-            <a:endParaRPr lang="zh-CN" altLang="en-US" dirty="0"/>
+            <a:endParaRPr lang="zh-CN" altLang="en-US" b="0" dirty="0"/>
           </a:p>
         </p:txBody>
       </p:sp>
@@ -1750,7 +1761,7 @@
             <a:fld id="{FFCBB8A4-BEC6-4942-9910-EEBD28E3DAB9}" type="slidenum">
               <a:rPr lang="zh-CN" altLang="en-US" smtClean="0"/>
               <a:pPr/>
-              <a:t>43</a:t>
+              <a:t>42</a:t>
             </a:fld>
             <a:endParaRPr lang="zh-CN" altLang="en-US"/>
           </a:p>
@@ -1759,7 +1770,7 @@
     </p:spTree>
     <p:extLst>
       <p:ext uri="{BB962C8B-B14F-4D97-AF65-F5344CB8AC3E}">
-        <p14:creationId xmlns:p14="http://schemas.microsoft.com/office/powerpoint/2010/main" val="3181169000"/>
+        <p14:creationId xmlns:p14="http://schemas.microsoft.com/office/powerpoint/2010/main" val="2121567194"/>
       </p:ext>
     </p:extLst>
   </p:cSld>
@@ -1788,7 +1799,7 @@
       </p:grpSpPr>
       <p:sp>
         <p:nvSpPr>
-          <p:cNvPr id="2" name="Slide Image Placeholder 1"/>
+          <p:cNvPr id="2" name="幻灯片图像占位符 1"/>
           <p:cNvSpPr>
             <a:spLocks noGrp="1" noRot="1" noChangeAspect="1"/>
           </p:cNvSpPr>
@@ -1800,7 +1811,7 @@
       </p:sp>
       <p:sp>
         <p:nvSpPr>
-          <p:cNvPr id="3" name="Notes Placeholder 2"/>
+          <p:cNvPr id="3" name="备注占位符 2"/>
           <p:cNvSpPr>
             <a:spLocks noGrp="1"/>
           </p:cNvSpPr>
@@ -1814,46 +1825,133 @@
           <a:lstStyle/>
           <a:p>
             <a:r>
-              <a:rPr lang="en-US" smtClean="0"/>
-              <a:t>//output</a:t>
-            </a:r>
-            <a:endParaRPr lang="en-US" dirty="0" smtClean="0"/>
-          </a:p>
-          <a:p>
-            <a:pPr marL="0" marR="0" lvl="0" indent="0" algn="l" defTabSz="914400" rtl="0" eaLnBrk="1" fontAlgn="auto" latinLnBrk="0" hangingPunct="1">
-              <a:lnSpc>
-                <a:spcPct val="100000"/>
-              </a:lnSpc>
-              <a:spcBef>
-                <a:spcPts val="0"/>
-              </a:spcBef>
-              <a:spcAft>
-                <a:spcPts val="0"/>
-              </a:spcAft>
-              <a:buClrTx/>
-              <a:buSzTx/>
-              <a:buFontTx/>
-              <a:buNone/>
-              <a:tabLst/>
-              <a:defRPr/>
-            </a:pPr>
-            <a:r>
-              <a:rPr lang="en-US" sz="1200" kern="1200" dirty="0" smtClean="0">
+              <a:rPr lang="zh-CN" altLang="en-US" sz="1200" b="1" kern="1200" dirty="0" smtClean="0">
                 <a:solidFill>
                   <a:schemeClr val="tx1"/>
                 </a:solidFill>
+                <a:effectLst/>
                 <a:latin typeface="+mn-lt"/>
                 <a:ea typeface="+mn-ea"/>
                 <a:cs typeface="+mn-cs"/>
               </a:rPr>
-              <a:t>Hello, Human!</a:t>
-            </a:r>
-          </a:p>
-        </p:txBody>
-      </p:sp>
-      <p:sp>
-        <p:nvSpPr>
-          <p:cNvPr id="4" name="Slide Number Placeholder 3"/>
+              <a:t>动态连接</a:t>
+            </a:r>
+            <a:endParaRPr lang="zh-CN" altLang="en-US" b="1" dirty="0" smtClean="0"/>
+          </a:p>
+          <a:p>
+            <a:r>
+              <a:rPr lang="zh-CN" altLang="en-US" dirty="0" smtClean="0"/>
+              <a:t>每个栈帧都包含一个执行运行时常量池中该栈帧所属方法的引用，持有这个引用是为了支持方法调用过程中的</a:t>
+            </a:r>
+            <a:r>
+              <a:rPr lang="zh-CN" altLang="en-US" sz="1200" b="1" kern="1200" dirty="0" smtClean="0">
+                <a:solidFill>
+                  <a:schemeClr val="tx1"/>
+                </a:solidFill>
+                <a:effectLst/>
+                <a:latin typeface="+mn-lt"/>
+                <a:ea typeface="+mn-ea"/>
+                <a:cs typeface="+mn-cs"/>
+              </a:rPr>
+              <a:t>动态连接</a:t>
+            </a:r>
+            <a:r>
+              <a:rPr lang="zh-CN" altLang="en-US" dirty="0" smtClean="0"/>
+              <a:t>（</a:t>
+            </a:r>
+            <a:r>
+              <a:rPr lang="en-US" altLang="zh-CN" dirty="0" smtClean="0"/>
+              <a:t>Dynamic Linking</a:t>
+            </a:r>
+            <a:r>
+              <a:rPr lang="zh-CN" altLang="en-US" dirty="0" smtClean="0"/>
+              <a:t>）。</a:t>
+            </a:r>
+          </a:p>
+          <a:p>
+            <a:r>
+              <a:rPr lang="en-US" altLang="zh-CN" dirty="0" smtClean="0"/>
+              <a:t>Class </a:t>
+            </a:r>
+            <a:r>
+              <a:rPr lang="zh-CN" altLang="en-US" dirty="0" smtClean="0"/>
+              <a:t>文件中存放了大量的符号引用，字节码中的方法调用指令就是以常量池中指向方法的符号引用作为参数。这些符号引用一部分会在类加载阶段或第一次使用时转化为直接引用，这种转化称为</a:t>
+            </a:r>
+            <a:r>
+              <a:rPr lang="zh-CN" altLang="en-US" sz="1200" b="1" kern="1200" dirty="0" smtClean="0">
+                <a:solidFill>
+                  <a:schemeClr val="tx1"/>
+                </a:solidFill>
+                <a:effectLst/>
+                <a:latin typeface="+mn-lt"/>
+                <a:ea typeface="+mn-ea"/>
+                <a:cs typeface="+mn-cs"/>
+              </a:rPr>
+              <a:t>静态解析</a:t>
+            </a:r>
+            <a:r>
+              <a:rPr lang="zh-CN" altLang="en-US" dirty="0" smtClean="0"/>
+              <a:t>。另一部分将在每一次运行期间转化为直接引用，这部分称为</a:t>
+            </a:r>
+            <a:r>
+              <a:rPr lang="zh-CN" altLang="en-US" sz="1200" b="1" kern="1200" dirty="0" smtClean="0">
+                <a:solidFill>
+                  <a:schemeClr val="tx1"/>
+                </a:solidFill>
+                <a:effectLst/>
+                <a:latin typeface="+mn-lt"/>
+                <a:ea typeface="+mn-ea"/>
+                <a:cs typeface="+mn-cs"/>
+              </a:rPr>
+              <a:t>动态连接</a:t>
+            </a:r>
+            <a:endParaRPr lang="zh-CN" altLang="en-US" dirty="0" smtClean="0"/>
+          </a:p>
+          <a:p>
+            <a:endParaRPr lang="en-US" altLang="zh-CN" dirty="0" smtClean="0"/>
+          </a:p>
+          <a:p>
+            <a:r>
+              <a:rPr lang="zh-CN" altLang="en-US" sz="1200" b="1" kern="1200" dirty="0" smtClean="0">
+                <a:solidFill>
+                  <a:schemeClr val="tx1"/>
+                </a:solidFill>
+                <a:effectLst/>
+                <a:latin typeface="+mn-lt"/>
+                <a:ea typeface="+mn-ea"/>
+                <a:cs typeface="+mn-cs"/>
+              </a:rPr>
+              <a:t>附加信息</a:t>
+            </a:r>
+            <a:endParaRPr lang="zh-CN" altLang="en-US" b="1" dirty="0" smtClean="0"/>
+          </a:p>
+          <a:p>
+            <a:r>
+              <a:rPr lang="zh-CN" altLang="en-US" dirty="0" smtClean="0"/>
+              <a:t>虚拟机规范并没有规定具体虚拟机实现包含什么附加信息，这部分的内容完全取决于具体实现。在实际开发中，一般会把动态连接，方法返回地址和附加信息全部归为一类，称为</a:t>
+            </a:r>
+            <a:r>
+              <a:rPr lang="zh-CN" altLang="en-US" sz="1200" b="1" kern="1200" dirty="0" smtClean="0">
+                <a:solidFill>
+                  <a:schemeClr val="tx1"/>
+                </a:solidFill>
+                <a:effectLst/>
+                <a:latin typeface="+mn-lt"/>
+                <a:ea typeface="+mn-ea"/>
+                <a:cs typeface="+mn-cs"/>
+              </a:rPr>
+              <a:t>栈帧信息</a:t>
+            </a:r>
+            <a:endParaRPr lang="zh-CN" altLang="en-US" dirty="0" smtClean="0"/>
+          </a:p>
+          <a:p>
+            <a:endParaRPr lang="zh-CN" altLang="en-US" dirty="0"/>
+          </a:p>
+        </p:txBody>
+      </p:sp>
+      <p:sp>
+        <p:nvSpPr>
+          <p:cNvPr id="4" name="灯片编号占位符 3"/>
           <p:cNvSpPr>
             <a:spLocks noGrp="1"/>
           </p:cNvSpPr>
@@ -1869,7 +1967,7 @@
             <a:fld id="{FFCBB8A4-BEC6-4942-9910-EEBD28E3DAB9}" type="slidenum">
               <a:rPr lang="zh-CN" altLang="en-US" smtClean="0"/>
               <a:pPr/>
-              <a:t>44</a:t>
+              <a:t>43</a:t>
             </a:fld>
             <a:endParaRPr lang="zh-CN" altLang="en-US"/>
           </a:p>
@@ -1878,7 +1976,7 @@
     </p:spTree>
     <p:extLst>
       <p:ext uri="{BB962C8B-B14F-4D97-AF65-F5344CB8AC3E}">
-        <p14:creationId xmlns:p14="http://schemas.microsoft.com/office/powerpoint/2010/main" val="1576341802"/>
+        <p14:creationId xmlns:p14="http://schemas.microsoft.com/office/powerpoint/2010/main" val="3181169000"/>
       </p:ext>
     </p:extLst>
   </p:cSld>
@@ -1933,294 +2031,40 @@
           <a:lstStyle/>
           <a:p>
             <a:r>
+              <a:rPr lang="en-US" smtClean="0"/>
+              <a:t>//output</a:t>
+            </a:r>
+            <a:endParaRPr lang="en-US" dirty="0" smtClean="0"/>
+          </a:p>
+          <a:p>
+            <a:pPr marL="0" marR="0" lvl="0" indent="0" algn="l" defTabSz="914400" rtl="0" eaLnBrk="1" fontAlgn="auto" latinLnBrk="0" hangingPunct="1">
+              <a:lnSpc>
+                <a:spcPct val="100000"/>
+              </a:lnSpc>
+              <a:spcBef>
+                <a:spcPts val="0"/>
+              </a:spcBef>
+              <a:spcAft>
+                <a:spcPts val="0"/>
+              </a:spcAft>
+              <a:buClrTx/>
+              <a:buSzTx/>
+              <a:buFontTx/>
+              <a:buNone/>
+              <a:tabLst/>
+              <a:defRPr/>
+            </a:pPr>
+            <a:r>
               <a:rPr lang="en-US" sz="1200" kern="1200" dirty="0" smtClean="0">
                 <a:solidFill>
                   <a:schemeClr val="tx1"/>
                 </a:solidFill>
-                <a:effectLst/>
                 <a:latin typeface="+mn-lt"/>
                 <a:ea typeface="+mn-ea"/>
                 <a:cs typeface="+mn-cs"/>
               </a:rPr>
-              <a:t>JNI</a:t>
-            </a:r>
-            <a:r>
-              <a:rPr lang="zh-CN" altLang="en-US" sz="1200" kern="1200" dirty="0" smtClean="0">
-                <a:solidFill>
-                  <a:schemeClr val="tx1"/>
-                </a:solidFill>
-                <a:effectLst/>
-                <a:latin typeface="+mn-lt"/>
-                <a:ea typeface="+mn-ea"/>
-                <a:cs typeface="+mn-cs"/>
-              </a:rPr>
-              <a:t>是</a:t>
-            </a:r>
-            <a:r>
-              <a:rPr lang="en-US" sz="1200" kern="1200" dirty="0" smtClean="0">
-                <a:solidFill>
-                  <a:schemeClr val="tx1"/>
-                </a:solidFill>
-                <a:effectLst/>
-                <a:latin typeface="+mn-lt"/>
-                <a:ea typeface="+mn-ea"/>
-                <a:cs typeface="+mn-cs"/>
-              </a:rPr>
-              <a:t>Java</a:t>
-            </a:r>
-            <a:r>
-              <a:rPr lang="zh-CN" altLang="en-US" sz="1200" kern="1200" dirty="0" smtClean="0">
-                <a:solidFill>
-                  <a:schemeClr val="tx1"/>
-                </a:solidFill>
-                <a:effectLst/>
-                <a:latin typeface="+mn-lt"/>
-                <a:ea typeface="+mn-ea"/>
-                <a:cs typeface="+mn-cs"/>
-              </a:rPr>
-              <a:t>本机接口（</a:t>
-            </a:r>
-            <a:r>
-              <a:rPr lang="en-US" sz="1200" kern="1200" dirty="0" smtClean="0">
-                <a:solidFill>
-                  <a:schemeClr val="tx1"/>
-                </a:solidFill>
-                <a:effectLst/>
-                <a:latin typeface="+mn-lt"/>
-                <a:ea typeface="+mn-ea"/>
-                <a:cs typeface="+mn-cs"/>
-              </a:rPr>
-              <a:t>Java Native Interface），</a:t>
-            </a:r>
-            <a:r>
-              <a:rPr lang="zh-CN" altLang="en-US" sz="1200" kern="1200" dirty="0" smtClean="0">
-                <a:solidFill>
-                  <a:schemeClr val="tx1"/>
-                </a:solidFill>
-                <a:effectLst/>
-                <a:latin typeface="+mn-lt"/>
-                <a:ea typeface="+mn-ea"/>
-                <a:cs typeface="+mn-cs"/>
-              </a:rPr>
-              <a:t>是一个本机编程接口，它是</a:t>
-            </a:r>
-            <a:r>
-              <a:rPr lang="en-US" sz="1200" kern="1200" dirty="0" smtClean="0">
-                <a:solidFill>
-                  <a:schemeClr val="tx1"/>
-                </a:solidFill>
-                <a:effectLst/>
-                <a:latin typeface="+mn-lt"/>
-                <a:ea typeface="+mn-ea"/>
-                <a:cs typeface="+mn-cs"/>
-              </a:rPr>
-              <a:t>Java</a:t>
-            </a:r>
-            <a:r>
-              <a:rPr lang="zh-CN" altLang="en-US" sz="1200" kern="1200" dirty="0" smtClean="0">
-                <a:solidFill>
-                  <a:schemeClr val="tx1"/>
-                </a:solidFill>
-                <a:effectLst/>
-                <a:latin typeface="+mn-lt"/>
-                <a:ea typeface="+mn-ea"/>
-                <a:cs typeface="+mn-cs"/>
-              </a:rPr>
-              <a:t>软件开发工具箱（</a:t>
-            </a:r>
-            <a:r>
-              <a:rPr lang="en-US" sz="1200" kern="1200" dirty="0" smtClean="0">
-                <a:solidFill>
-                  <a:schemeClr val="tx1"/>
-                </a:solidFill>
-                <a:effectLst/>
-                <a:latin typeface="+mn-lt"/>
-                <a:ea typeface="+mn-ea"/>
-                <a:cs typeface="+mn-cs"/>
-              </a:rPr>
-              <a:t>Java Software Development </a:t>
-            </a:r>
-            <a:r>
-              <a:rPr lang="en-US" sz="1200" kern="1200" dirty="0" err="1" smtClean="0">
-                <a:solidFill>
-                  <a:schemeClr val="tx1"/>
-                </a:solidFill>
-                <a:effectLst/>
-                <a:latin typeface="+mn-lt"/>
-                <a:ea typeface="+mn-ea"/>
-                <a:cs typeface="+mn-cs"/>
-              </a:rPr>
-              <a:t>Kit，SDK</a:t>
-            </a:r>
-            <a:r>
-              <a:rPr lang="en-US" sz="1200" kern="1200" dirty="0" smtClean="0">
-                <a:solidFill>
-                  <a:schemeClr val="tx1"/>
-                </a:solidFill>
-                <a:effectLst/>
-                <a:latin typeface="+mn-lt"/>
-                <a:ea typeface="+mn-ea"/>
-                <a:cs typeface="+mn-cs"/>
-              </a:rPr>
-              <a:t>）</a:t>
-            </a:r>
-            <a:r>
-              <a:rPr lang="zh-CN" altLang="en-US" sz="1200" kern="1200" dirty="0" smtClean="0">
-                <a:solidFill>
-                  <a:schemeClr val="tx1"/>
-                </a:solidFill>
-                <a:effectLst/>
-                <a:latin typeface="+mn-lt"/>
-                <a:ea typeface="+mn-ea"/>
-                <a:cs typeface="+mn-cs"/>
-              </a:rPr>
-              <a:t>的一部分。</a:t>
-            </a:r>
-            <a:r>
-              <a:rPr lang="en-US" sz="1200" kern="1200" dirty="0" smtClean="0">
-                <a:solidFill>
-                  <a:schemeClr val="tx1"/>
-                </a:solidFill>
-                <a:effectLst/>
-                <a:latin typeface="+mn-lt"/>
-                <a:ea typeface="+mn-ea"/>
-                <a:cs typeface="+mn-cs"/>
-              </a:rPr>
-              <a:t>JNI</a:t>
-            </a:r>
-            <a:r>
-              <a:rPr lang="zh-CN" altLang="en-US" sz="1200" kern="1200" dirty="0" smtClean="0">
-                <a:solidFill>
-                  <a:schemeClr val="tx1"/>
-                </a:solidFill>
-                <a:effectLst/>
-                <a:latin typeface="+mn-lt"/>
-                <a:ea typeface="+mn-ea"/>
-                <a:cs typeface="+mn-cs"/>
-              </a:rPr>
-              <a:t>允许</a:t>
-            </a:r>
-            <a:r>
-              <a:rPr lang="en-US" sz="1200" kern="1200" dirty="0" smtClean="0">
-                <a:solidFill>
-                  <a:schemeClr val="tx1"/>
-                </a:solidFill>
-                <a:effectLst/>
-                <a:latin typeface="+mn-lt"/>
-                <a:ea typeface="+mn-ea"/>
-                <a:cs typeface="+mn-cs"/>
-              </a:rPr>
-              <a:t>Java</a:t>
-            </a:r>
-            <a:r>
-              <a:rPr lang="zh-CN" altLang="en-US" sz="1200" kern="1200" dirty="0" smtClean="0">
-                <a:solidFill>
-                  <a:schemeClr val="tx1"/>
-                </a:solidFill>
-                <a:effectLst/>
-                <a:latin typeface="+mn-lt"/>
-                <a:ea typeface="+mn-ea"/>
-                <a:cs typeface="+mn-cs"/>
-              </a:rPr>
-              <a:t>代码使用以其他语言编写的代码和代码库。</a:t>
-            </a:r>
-            <a:r>
-              <a:rPr lang="en-US" sz="1200" kern="1200" dirty="0" smtClean="0">
-                <a:solidFill>
-                  <a:schemeClr val="tx1"/>
-                </a:solidFill>
-                <a:effectLst/>
-                <a:latin typeface="+mn-lt"/>
-                <a:ea typeface="+mn-ea"/>
-                <a:cs typeface="+mn-cs"/>
-              </a:rPr>
-              <a:t>Invocation API（JNI</a:t>
-            </a:r>
-            <a:r>
-              <a:rPr lang="zh-CN" altLang="en-US" sz="1200" kern="1200" dirty="0" smtClean="0">
-                <a:solidFill>
-                  <a:schemeClr val="tx1"/>
-                </a:solidFill>
-                <a:effectLst/>
-                <a:latin typeface="+mn-lt"/>
-                <a:ea typeface="+mn-ea"/>
-                <a:cs typeface="+mn-cs"/>
-              </a:rPr>
-              <a:t>的一部分）可以用来将</a:t>
-            </a:r>
-            <a:r>
-              <a:rPr lang="en-US" sz="1200" kern="1200" dirty="0" smtClean="0">
-                <a:solidFill>
-                  <a:schemeClr val="tx1"/>
-                </a:solidFill>
-                <a:effectLst/>
-                <a:latin typeface="+mn-lt"/>
-                <a:ea typeface="+mn-ea"/>
-                <a:cs typeface="+mn-cs"/>
-              </a:rPr>
-              <a:t>Java</a:t>
-            </a:r>
-            <a:r>
-              <a:rPr lang="zh-CN" altLang="en-US" sz="1200" kern="1200" dirty="0" smtClean="0">
-                <a:solidFill>
-                  <a:schemeClr val="tx1"/>
-                </a:solidFill>
-                <a:effectLst/>
-                <a:latin typeface="+mn-lt"/>
-                <a:ea typeface="+mn-ea"/>
-                <a:cs typeface="+mn-cs"/>
-              </a:rPr>
-              <a:t>虚拟机（</a:t>
-            </a:r>
-            <a:r>
-              <a:rPr lang="en-US" sz="1200" kern="1200" dirty="0" smtClean="0">
-                <a:solidFill>
-                  <a:schemeClr val="tx1"/>
-                </a:solidFill>
-                <a:effectLst/>
-                <a:latin typeface="+mn-lt"/>
-                <a:ea typeface="+mn-ea"/>
-                <a:cs typeface="+mn-cs"/>
-              </a:rPr>
-              <a:t>JVM）</a:t>
-            </a:r>
-            <a:r>
-              <a:rPr lang="zh-CN" altLang="en-US" sz="1200" kern="1200" dirty="0" smtClean="0">
-                <a:solidFill>
-                  <a:schemeClr val="tx1"/>
-                </a:solidFill>
-                <a:effectLst/>
-                <a:latin typeface="+mn-lt"/>
-                <a:ea typeface="+mn-ea"/>
-                <a:cs typeface="+mn-cs"/>
-              </a:rPr>
-              <a:t>嵌入到本机应用程序中，从而允许程序员从本机代码内部调用</a:t>
-            </a:r>
-            <a:r>
-              <a:rPr lang="en-US" sz="1200" kern="1200" dirty="0" smtClean="0">
-                <a:solidFill>
-                  <a:schemeClr val="tx1"/>
-                </a:solidFill>
-                <a:effectLst/>
-                <a:latin typeface="+mn-lt"/>
-                <a:ea typeface="+mn-ea"/>
-                <a:cs typeface="+mn-cs"/>
-              </a:rPr>
-              <a:t>Java</a:t>
-            </a:r>
-            <a:r>
-              <a:rPr lang="zh-CN" altLang="en-US" sz="1200" kern="1200" dirty="0" smtClean="0">
-                <a:solidFill>
-                  <a:schemeClr val="tx1"/>
-                </a:solidFill>
-                <a:effectLst/>
-                <a:latin typeface="+mn-lt"/>
-                <a:ea typeface="+mn-ea"/>
-                <a:cs typeface="+mn-cs"/>
-              </a:rPr>
-              <a:t>代码。</a:t>
-            </a:r>
-            <a:endParaRPr lang="en-US" dirty="0"/>
+              <a:t>Hello, Human!</a:t>
+            </a:r>
           </a:p>
         </p:txBody>
       </p:sp>
@@ -2242,7 +2086,7 @@
             <a:fld id="{FFCBB8A4-BEC6-4942-9910-EEBD28E3DAB9}" type="slidenum">
               <a:rPr lang="zh-CN" altLang="en-US" smtClean="0"/>
               <a:pPr/>
-              <a:t>51</a:t>
+              <a:t>44</a:t>
             </a:fld>
             <a:endParaRPr lang="zh-CN" altLang="en-US"/>
           </a:p>
@@ -2251,7 +2095,7 @@
     </p:spTree>
     <p:extLst>
       <p:ext uri="{BB962C8B-B14F-4D97-AF65-F5344CB8AC3E}">
-        <p14:creationId xmlns:p14="http://schemas.microsoft.com/office/powerpoint/2010/main" val="3235436937"/>
+        <p14:creationId xmlns:p14="http://schemas.microsoft.com/office/powerpoint/2010/main" val="1576341802"/>
       </p:ext>
     </p:extLst>
   </p:cSld>
@@ -2306,32 +2150,292 @@
           <a:lstStyle/>
           <a:p>
             <a:r>
-              <a:rPr lang="zh-CN" altLang="en-US" dirty="0" smtClean="0"/>
-              <a:t>虚引用</a:t>
-            </a:r>
-            <a:r>
-              <a:rPr lang="en-US" altLang="zh-CN" dirty="0" smtClean="0"/>
-              <a:t>/</a:t>
-            </a:r>
-            <a:r>
-              <a:rPr lang="zh-CN" altLang="en-US" dirty="0" smtClean="0"/>
-              <a:t>幽灵引用</a:t>
-            </a:r>
-            <a:r>
-              <a:rPr lang="en-US" altLang="zh-CN" dirty="0" smtClean="0"/>
-              <a:t>/</a:t>
-            </a:r>
-            <a:r>
-              <a:rPr lang="zh-CN" altLang="en-US" dirty="0" smtClean="0"/>
-              <a:t>幻影引用</a:t>
-            </a:r>
-            <a:r>
-              <a:rPr lang="en-US" altLang="zh-CN" dirty="0" smtClean="0"/>
-              <a:t>/</a:t>
-            </a:r>
-            <a:r>
-              <a:rPr lang="zh-CN" altLang="en-US" dirty="0" smtClean="0"/>
-              <a:t>影子引用可以实现终结方法以外的更加复杂的临终清理政策。</a:t>
+              <a:rPr lang="en-US" sz="1200" kern="1200" dirty="0" smtClean="0">
+                <a:solidFill>
+                  <a:schemeClr val="tx1"/>
+                </a:solidFill>
+                <a:effectLst/>
+                <a:latin typeface="+mn-lt"/>
+                <a:ea typeface="+mn-ea"/>
+                <a:cs typeface="+mn-cs"/>
+              </a:rPr>
+              <a:t>JNI</a:t>
+            </a:r>
+            <a:r>
+              <a:rPr lang="zh-CN" altLang="en-US" sz="1200" kern="1200" dirty="0" smtClean="0">
+                <a:solidFill>
+                  <a:schemeClr val="tx1"/>
+                </a:solidFill>
+                <a:effectLst/>
+                <a:latin typeface="+mn-lt"/>
+                <a:ea typeface="+mn-ea"/>
+                <a:cs typeface="+mn-cs"/>
+              </a:rPr>
+              <a:t>是</a:t>
+            </a:r>
+            <a:r>
+              <a:rPr lang="en-US" sz="1200" kern="1200" dirty="0" smtClean="0">
+                <a:solidFill>
+                  <a:schemeClr val="tx1"/>
+                </a:solidFill>
+                <a:effectLst/>
+                <a:latin typeface="+mn-lt"/>
+                <a:ea typeface="+mn-ea"/>
+                <a:cs typeface="+mn-cs"/>
+              </a:rPr>
+              <a:t>Java</a:t>
+            </a:r>
+            <a:r>
+              <a:rPr lang="zh-CN" altLang="en-US" sz="1200" kern="1200" dirty="0" smtClean="0">
+                <a:solidFill>
+                  <a:schemeClr val="tx1"/>
+                </a:solidFill>
+                <a:effectLst/>
+                <a:latin typeface="+mn-lt"/>
+                <a:ea typeface="+mn-ea"/>
+                <a:cs typeface="+mn-cs"/>
+              </a:rPr>
+              <a:t>本机接口（</a:t>
+            </a:r>
+            <a:r>
+              <a:rPr lang="en-US" sz="1200" kern="1200" dirty="0" smtClean="0">
+                <a:solidFill>
+                  <a:schemeClr val="tx1"/>
+                </a:solidFill>
+                <a:effectLst/>
+                <a:latin typeface="+mn-lt"/>
+                <a:ea typeface="+mn-ea"/>
+                <a:cs typeface="+mn-cs"/>
+              </a:rPr>
+              <a:t>Java Native Interface），</a:t>
+            </a:r>
+            <a:r>
+              <a:rPr lang="zh-CN" altLang="en-US" sz="1200" kern="1200" dirty="0" smtClean="0">
+                <a:solidFill>
+                  <a:schemeClr val="tx1"/>
+                </a:solidFill>
+                <a:effectLst/>
+                <a:latin typeface="+mn-lt"/>
+                <a:ea typeface="+mn-ea"/>
+                <a:cs typeface="+mn-cs"/>
+              </a:rPr>
+              <a:t>是一个本机编程接口，它是</a:t>
+            </a:r>
+            <a:r>
+              <a:rPr lang="en-US" sz="1200" kern="1200" dirty="0" smtClean="0">
+                <a:solidFill>
+                  <a:schemeClr val="tx1"/>
+                </a:solidFill>
+                <a:effectLst/>
+                <a:latin typeface="+mn-lt"/>
+                <a:ea typeface="+mn-ea"/>
+                <a:cs typeface="+mn-cs"/>
+              </a:rPr>
+              <a:t>Java</a:t>
+            </a:r>
+            <a:r>
+              <a:rPr lang="zh-CN" altLang="en-US" sz="1200" kern="1200" dirty="0" smtClean="0">
+                <a:solidFill>
+                  <a:schemeClr val="tx1"/>
+                </a:solidFill>
+                <a:effectLst/>
+                <a:latin typeface="+mn-lt"/>
+                <a:ea typeface="+mn-ea"/>
+                <a:cs typeface="+mn-cs"/>
+              </a:rPr>
+              <a:t>软件开发工具箱（</a:t>
+            </a:r>
+            <a:r>
+              <a:rPr lang="en-US" sz="1200" kern="1200" dirty="0" smtClean="0">
+                <a:solidFill>
+                  <a:schemeClr val="tx1"/>
+                </a:solidFill>
+                <a:effectLst/>
+                <a:latin typeface="+mn-lt"/>
+                <a:ea typeface="+mn-ea"/>
+                <a:cs typeface="+mn-cs"/>
+              </a:rPr>
+              <a:t>Java Software Development </a:t>
+            </a:r>
+            <a:r>
+              <a:rPr lang="en-US" sz="1200" kern="1200" dirty="0" err="1" smtClean="0">
+                <a:solidFill>
+                  <a:schemeClr val="tx1"/>
+                </a:solidFill>
+                <a:effectLst/>
+                <a:latin typeface="+mn-lt"/>
+                <a:ea typeface="+mn-ea"/>
+                <a:cs typeface="+mn-cs"/>
+              </a:rPr>
+              <a:t>Kit，SDK</a:t>
+            </a:r>
+            <a:r>
+              <a:rPr lang="en-US" sz="1200" kern="1200" dirty="0" smtClean="0">
+                <a:solidFill>
+                  <a:schemeClr val="tx1"/>
+                </a:solidFill>
+                <a:effectLst/>
+                <a:latin typeface="+mn-lt"/>
+                <a:ea typeface="+mn-ea"/>
+                <a:cs typeface="+mn-cs"/>
+              </a:rPr>
+              <a:t>）</a:t>
+            </a:r>
+            <a:r>
+              <a:rPr lang="zh-CN" altLang="en-US" sz="1200" kern="1200" dirty="0" smtClean="0">
+                <a:solidFill>
+                  <a:schemeClr val="tx1"/>
+                </a:solidFill>
+                <a:effectLst/>
+                <a:latin typeface="+mn-lt"/>
+                <a:ea typeface="+mn-ea"/>
+                <a:cs typeface="+mn-cs"/>
+              </a:rPr>
+              <a:t>的一部分。</a:t>
+            </a:r>
+            <a:r>
+              <a:rPr lang="en-US" sz="1200" kern="1200" dirty="0" smtClean="0">
+                <a:solidFill>
+                  <a:schemeClr val="tx1"/>
+                </a:solidFill>
+                <a:effectLst/>
+                <a:latin typeface="+mn-lt"/>
+                <a:ea typeface="+mn-ea"/>
+                <a:cs typeface="+mn-cs"/>
+              </a:rPr>
+              <a:t>JNI</a:t>
+            </a:r>
+            <a:r>
+              <a:rPr lang="zh-CN" altLang="en-US" sz="1200" kern="1200" dirty="0" smtClean="0">
+                <a:solidFill>
+                  <a:schemeClr val="tx1"/>
+                </a:solidFill>
+                <a:effectLst/>
+                <a:latin typeface="+mn-lt"/>
+                <a:ea typeface="+mn-ea"/>
+                <a:cs typeface="+mn-cs"/>
+              </a:rPr>
+              <a:t>允许</a:t>
+            </a:r>
+            <a:r>
+              <a:rPr lang="en-US" sz="1200" kern="1200" dirty="0" smtClean="0">
+                <a:solidFill>
+                  <a:schemeClr val="tx1"/>
+                </a:solidFill>
+                <a:effectLst/>
+                <a:latin typeface="+mn-lt"/>
+                <a:ea typeface="+mn-ea"/>
+                <a:cs typeface="+mn-cs"/>
+              </a:rPr>
+              <a:t>Java</a:t>
+            </a:r>
+            <a:r>
+              <a:rPr lang="zh-CN" altLang="en-US" sz="1200" kern="1200" dirty="0" smtClean="0">
+                <a:solidFill>
+                  <a:schemeClr val="tx1"/>
+                </a:solidFill>
+                <a:effectLst/>
+                <a:latin typeface="+mn-lt"/>
+                <a:ea typeface="+mn-ea"/>
+                <a:cs typeface="+mn-cs"/>
+              </a:rPr>
+              <a:t>代码使用以其他语言编写的代码和代码库。</a:t>
+            </a:r>
+            <a:r>
+              <a:rPr lang="en-US" sz="1200" kern="1200" dirty="0" smtClean="0">
+                <a:solidFill>
+                  <a:schemeClr val="tx1"/>
+                </a:solidFill>
+                <a:effectLst/>
+                <a:latin typeface="+mn-lt"/>
+                <a:ea typeface="+mn-ea"/>
+                <a:cs typeface="+mn-cs"/>
+              </a:rPr>
+              <a:t>Invocation API（JNI</a:t>
+            </a:r>
+            <a:r>
+              <a:rPr lang="zh-CN" altLang="en-US" sz="1200" kern="1200" dirty="0" smtClean="0">
+                <a:solidFill>
+                  <a:schemeClr val="tx1"/>
+                </a:solidFill>
+                <a:effectLst/>
+                <a:latin typeface="+mn-lt"/>
+                <a:ea typeface="+mn-ea"/>
+                <a:cs typeface="+mn-cs"/>
+              </a:rPr>
+              <a:t>的一部分）可以用来将</a:t>
+            </a:r>
+            <a:r>
+              <a:rPr lang="en-US" sz="1200" kern="1200" dirty="0" smtClean="0">
+                <a:solidFill>
+                  <a:schemeClr val="tx1"/>
+                </a:solidFill>
+                <a:effectLst/>
+                <a:latin typeface="+mn-lt"/>
+                <a:ea typeface="+mn-ea"/>
+                <a:cs typeface="+mn-cs"/>
+              </a:rPr>
+              <a:t>Java</a:t>
+            </a:r>
+            <a:r>
+              <a:rPr lang="zh-CN" altLang="en-US" sz="1200" kern="1200" dirty="0" smtClean="0">
+                <a:solidFill>
+                  <a:schemeClr val="tx1"/>
+                </a:solidFill>
+                <a:effectLst/>
+                <a:latin typeface="+mn-lt"/>
+                <a:ea typeface="+mn-ea"/>
+                <a:cs typeface="+mn-cs"/>
+              </a:rPr>
+              <a:t>虚拟机（</a:t>
+            </a:r>
+            <a:r>
+              <a:rPr lang="en-US" sz="1200" kern="1200" dirty="0" smtClean="0">
+                <a:solidFill>
+                  <a:schemeClr val="tx1"/>
+                </a:solidFill>
+                <a:effectLst/>
+                <a:latin typeface="+mn-lt"/>
+                <a:ea typeface="+mn-ea"/>
+                <a:cs typeface="+mn-cs"/>
+              </a:rPr>
+              <a:t>JVM）</a:t>
+            </a:r>
+            <a:r>
+              <a:rPr lang="zh-CN" altLang="en-US" sz="1200" kern="1200" dirty="0" smtClean="0">
+                <a:solidFill>
+                  <a:schemeClr val="tx1"/>
+                </a:solidFill>
+                <a:effectLst/>
+                <a:latin typeface="+mn-lt"/>
+                <a:ea typeface="+mn-ea"/>
+                <a:cs typeface="+mn-cs"/>
+              </a:rPr>
+              <a:t>嵌入到本机应用程序中，从而允许程序员从本机代码内部调用</a:t>
+            </a:r>
+            <a:r>
+              <a:rPr lang="en-US" sz="1200" kern="1200" dirty="0" smtClean="0">
+                <a:solidFill>
+                  <a:schemeClr val="tx1"/>
+                </a:solidFill>
+                <a:effectLst/>
+                <a:latin typeface="+mn-lt"/>
+                <a:ea typeface="+mn-ea"/>
+                <a:cs typeface="+mn-cs"/>
+              </a:rPr>
+              <a:t>Java</a:t>
+            </a:r>
+            <a:r>
+              <a:rPr lang="zh-CN" altLang="en-US" sz="1200" kern="1200" dirty="0" smtClean="0">
+                <a:solidFill>
+                  <a:schemeClr val="tx1"/>
+                </a:solidFill>
+                <a:effectLst/>
+                <a:latin typeface="+mn-lt"/>
+                <a:ea typeface="+mn-ea"/>
+                <a:cs typeface="+mn-cs"/>
+              </a:rPr>
+              <a:t>代码。</a:t>
             </a:r>
             <a:endParaRPr lang="en-US" dirty="0"/>
           </a:p>
@@ -2355,7 +2459,7 @@
             <a:fld id="{FFCBB8A4-BEC6-4942-9910-EEBD28E3DAB9}" type="slidenum">
               <a:rPr lang="zh-CN" altLang="en-US" smtClean="0"/>
               <a:pPr/>
-              <a:t>52</a:t>
+              <a:t>51</a:t>
             </a:fld>
             <a:endParaRPr lang="zh-CN" altLang="en-US"/>
           </a:p>
@@ -2364,7 +2468,7 @@
     </p:spTree>
     <p:extLst>
       <p:ext uri="{BB962C8B-B14F-4D97-AF65-F5344CB8AC3E}">
-        <p14:creationId xmlns:p14="http://schemas.microsoft.com/office/powerpoint/2010/main" val="2060664552"/>
+        <p14:creationId xmlns:p14="http://schemas.microsoft.com/office/powerpoint/2010/main" val="3235436937"/>
       </p:ext>
     </p:extLst>
   </p:cSld>
@@ -2523,6 +2627,119 @@
           <a:lstStyle/>
           <a:p>
             <a:r>
+              <a:rPr lang="zh-CN" altLang="en-US" dirty="0" smtClean="0"/>
+              <a:t>虚引用</a:t>
+            </a:r>
+            <a:r>
+              <a:rPr lang="en-US" altLang="zh-CN" dirty="0" smtClean="0"/>
+              <a:t>/</a:t>
+            </a:r>
+            <a:r>
+              <a:rPr lang="zh-CN" altLang="en-US" dirty="0" smtClean="0"/>
+              <a:t>幽灵引用</a:t>
+            </a:r>
+            <a:r>
+              <a:rPr lang="en-US" altLang="zh-CN" dirty="0" smtClean="0"/>
+              <a:t>/</a:t>
+            </a:r>
+            <a:r>
+              <a:rPr lang="zh-CN" altLang="en-US" dirty="0" smtClean="0"/>
+              <a:t>幻影引用</a:t>
+            </a:r>
+            <a:r>
+              <a:rPr lang="en-US" altLang="zh-CN" dirty="0" smtClean="0"/>
+              <a:t>/</a:t>
+            </a:r>
+            <a:r>
+              <a:rPr lang="zh-CN" altLang="en-US" dirty="0" smtClean="0"/>
+              <a:t>影子引用可以实现终结方法以外的更加复杂的临终清理政策。</a:t>
+            </a:r>
+            <a:endParaRPr lang="en-US" dirty="0"/>
+          </a:p>
+        </p:txBody>
+      </p:sp>
+      <p:sp>
+        <p:nvSpPr>
+          <p:cNvPr id="4" name="Slide Number Placeholder 3"/>
+          <p:cNvSpPr>
+            <a:spLocks noGrp="1"/>
+          </p:cNvSpPr>
+          <p:nvPr>
+            <p:ph type="sldNum" sz="quarter" idx="10"/>
+          </p:nvPr>
+        </p:nvSpPr>
+        <p:spPr/>
+        <p:txBody>
+          <a:bodyPr/>
+          <a:lstStyle/>
+          <a:p>
+            <a:fld id="{FFCBB8A4-BEC6-4942-9910-EEBD28E3DAB9}" type="slidenum">
+              <a:rPr lang="zh-CN" altLang="en-US" smtClean="0"/>
+              <a:pPr/>
+              <a:t>52</a:t>
+            </a:fld>
+            <a:endParaRPr lang="zh-CN" altLang="en-US"/>
+          </a:p>
+        </p:txBody>
+      </p:sp>
+    </p:spTree>
+    <p:extLst>
+      <p:ext uri="{BB962C8B-B14F-4D97-AF65-F5344CB8AC3E}">
+        <p14:creationId xmlns:p14="http://schemas.microsoft.com/office/powerpoint/2010/main" val="2060664552"/>
+      </p:ext>
+    </p:extLst>
+  </p:cSld>
+  <p:clrMapOvr>
+    <a:masterClrMapping/>
+  </p:clrMapOvr>
+</p:notes>
+</file>
+
+<file path=ppt/notesSlides/notesSlide21.xml><?xml version="1.0" encoding="utf-8"?>
+<p:notes xmlns:a="http://schemas.openxmlformats.org/drawingml/2006/main" xmlns:r="http://schemas.openxmlformats.org/officeDocument/2006/relationships" xmlns:p="http://schemas.openxmlformats.org/presentationml/2006/main">
+  <p:cSld>
+    <p:spTree>
+      <p:nvGrpSpPr>
+        <p:cNvPr id="1" name=""/>
+        <p:cNvGrpSpPr/>
+        <p:nvPr/>
+      </p:nvGrpSpPr>
+      <p:grpSpPr>
+        <a:xfrm>
+          <a:off x="0" y="0"/>
+          <a:ext cx="0" cy="0"/>
+          <a:chOff x="0" y="0"/>
+          <a:chExt cx="0" cy="0"/>
+        </a:xfrm>
+      </p:grpSpPr>
+      <p:sp>
+        <p:nvSpPr>
+          <p:cNvPr id="2" name="Slide Image Placeholder 1"/>
+          <p:cNvSpPr>
+            <a:spLocks noGrp="1" noRot="1" noChangeAspect="1"/>
+          </p:cNvSpPr>
+          <p:nvPr>
+            <p:ph type="sldImg"/>
+          </p:nvPr>
+        </p:nvSpPr>
+        <p:spPr/>
+      </p:sp>
+      <p:sp>
+        <p:nvSpPr>
+          <p:cNvPr id="3" name="Notes Placeholder 2"/>
+          <p:cNvSpPr>
+            <a:spLocks noGrp="1"/>
+          </p:cNvSpPr>
+          <p:nvPr>
+            <p:ph type="body" idx="1"/>
+          </p:nvPr>
+        </p:nvSpPr>
+        <p:spPr/>
+        <p:txBody>
+          <a:bodyPr/>
+          <a:lstStyle/>
+          <a:p>
+            <a:r>
               <a:rPr lang="en-US" dirty="0" smtClean="0"/>
               <a:t>4</a:t>
             </a:r>
@@ -2674,7 +2891,7 @@
 </p:notes>
 </file>
 
-<file path=ppt/notesSlides/notesSlide21.xml><?xml version="1.0" encoding="utf-8"?>
+<file path=ppt/notesSlides/notesSlide22.xml><?xml version="1.0" encoding="utf-8"?>
 <p:notes xmlns:a="http://schemas.openxmlformats.org/drawingml/2006/main" xmlns:r="http://schemas.openxmlformats.org/officeDocument/2006/relationships" xmlns:p="http://schemas.openxmlformats.org/presentationml/2006/main">
   <p:cSld>
     <p:spTree>
@@ -3900,7 +4117,7 @@
             <a:fld id="{79A26581-C842-49D0-AB93-D089A5BA37C7}" type="datetime1">
               <a:rPr lang="zh-CN" altLang="en-US" smtClean="0"/>
               <a:pPr/>
-              <a:t>2017/11/9</a:t>
+              <a:t>2019/7/22</a:t>
             </a:fld>
             <a:endParaRPr lang="zh-CN" altLang="en-US" dirty="0"/>
           </a:p>
@@ -4074,7 +4291,7 @@
             <a:fld id="{F2B461BA-1B2E-4425-B18A-43269697AD3D}" type="datetime1">
               <a:rPr lang="zh-CN" altLang="en-US" smtClean="0"/>
               <a:pPr/>
-              <a:t>2017/11/9</a:t>
+              <a:t>2019/7/22</a:t>
             </a:fld>
             <a:endParaRPr lang="zh-CN" altLang="en-US"/>
           </a:p>
@@ -4258,7 +4475,7 @@
             <a:fld id="{15520F5A-7510-46CC-AA86-3124215E8D22}" type="datetime1">
               <a:rPr lang="zh-CN" altLang="en-US" smtClean="0"/>
               <a:pPr/>
-              <a:t>2017/11/9</a:t>
+              <a:t>2019/7/22</a:t>
             </a:fld>
             <a:endParaRPr lang="zh-CN" altLang="en-US"/>
           </a:p>
@@ -4499,7 +4716,7 @@
             <a:fld id="{4EE09118-F6C0-44B1-AEB0-E70B108D11CB}" type="datetime1">
               <a:rPr lang="zh-CN" altLang="en-US" smtClean="0"/>
               <a:pPr/>
-              <a:t>2017/11/9</a:t>
+              <a:t>2019/7/22</a:t>
             </a:fld>
             <a:endParaRPr lang="zh-CN" altLang="en-US"/>
           </a:p>
@@ -4749,7 +4966,7 @@
             <a:fld id="{FFE509C5-9A07-431C-A613-704709B1F7E2}" type="datetime1">
               <a:rPr lang="zh-CN" altLang="en-US" smtClean="0"/>
               <a:pPr/>
-              <a:t>2017/11/9</a:t>
+              <a:t>2019/7/22</a:t>
             </a:fld>
             <a:endParaRPr lang="zh-CN" altLang="en-US"/>
           </a:p>
@@ -5041,7 +5258,7 @@
             <a:fld id="{8967B1C6-3ABD-4489-8AE2-134FC68E6291}" type="datetime1">
               <a:rPr lang="zh-CN" altLang="en-US" smtClean="0"/>
               <a:pPr/>
-              <a:t>2017/11/9</a:t>
+              <a:t>2019/7/22</a:t>
             </a:fld>
             <a:endParaRPr lang="zh-CN" altLang="en-US"/>
           </a:p>
@@ -5467,7 +5684,7 @@
             <a:fld id="{9C7A688F-5B34-48E1-B87F-DEEE44579934}" type="datetime1">
               <a:rPr lang="zh-CN" altLang="en-US" smtClean="0"/>
               <a:pPr/>
-              <a:t>2017/11/9</a:t>
+              <a:t>2019/7/22</a:t>
             </a:fld>
             <a:endParaRPr lang="zh-CN" altLang="en-US"/>
           </a:p>
@@ -5589,7 +5806,7 @@
             <a:fld id="{0E293655-0C55-4EBC-9662-DF4B811530CC}" type="datetime1">
               <a:rPr lang="zh-CN" altLang="en-US" smtClean="0"/>
               <a:pPr/>
-              <a:t>2017/11/9</a:t>
+              <a:t>2019/7/22</a:t>
             </a:fld>
             <a:endParaRPr lang="zh-CN" altLang="en-US"/>
           </a:p>
@@ -5688,7 +5905,7 @@
             <a:fld id="{B3D1C92C-9441-4593-BA63-8806E2668D59}" type="datetime1">
               <a:rPr lang="zh-CN" altLang="en-US" smtClean="0"/>
               <a:pPr/>
-              <a:t>2017/11/9</a:t>
+              <a:t>2019/7/22</a:t>
             </a:fld>
             <a:endParaRPr lang="zh-CN" altLang="en-US"/>
           </a:p>
@@ -5969,7 +6186,7 @@
             <a:fld id="{3282DFAC-E1C2-4166-88BF-52A1C1D21E8D}" type="datetime1">
               <a:rPr lang="zh-CN" altLang="en-US" smtClean="0"/>
               <a:pPr/>
-              <a:t>2017/11/9</a:t>
+              <a:t>2019/7/22</a:t>
             </a:fld>
             <a:endParaRPr lang="zh-CN" altLang="en-US"/>
           </a:p>
@@ -6226,7 +6443,7 @@
             <a:fld id="{3A8E4DE7-673F-4F05-9AEF-EE5581AABA64}" type="datetime1">
               <a:rPr lang="zh-CN" altLang="en-US" smtClean="0"/>
               <a:pPr/>
-              <a:t>2017/11/9</a:t>
+              <a:t>2019/7/22</a:t>
             </a:fld>
             <a:endParaRPr lang="zh-CN" altLang="en-US"/>
           </a:p>
@@ -6450,7 +6667,7 @@
             <a:fld id="{7BDB4ED8-B771-44BC-BE60-EE283D0BE87C}" type="datetime1">
               <a:rPr lang="zh-CN" altLang="en-US" smtClean="0"/>
               <a:pPr/>
-              <a:t>2017/11/9</a:t>
+              <a:t>2019/7/22</a:t>
             </a:fld>
             <a:endParaRPr lang="zh-CN" altLang="en-US" dirty="0"/>
           </a:p>
@@ -6901,7 +7118,7 @@
             <a:fld id="{C747BEE7-1600-4E86-851F-873E5728A0D8}" type="datetime1">
               <a:rPr lang="zh-CN" altLang="en-US" smtClean="0"/>
               <a:pPr/>
-              <a:t>2017/11/9</a:t>
+              <a:t>2019/7/22</a:t>
             </a:fld>
             <a:endParaRPr lang="zh-CN" altLang="en-US" dirty="0"/>
           </a:p>
@@ -7004,7 +7221,7 @@
             <a:fld id="{4EE09118-F6C0-44B1-AEB0-E70B108D11CB}" type="datetime1">
               <a:rPr lang="zh-CN" altLang="en-US" smtClean="0"/>
               <a:pPr/>
-              <a:t>2017/11/9</a:t>
+              <a:t>2019/7/22</a:t>
             </a:fld>
             <a:endParaRPr lang="zh-CN" altLang="en-US"/>
           </a:p>
@@ -7180,7 +7397,7 @@
             <a:fld id="{4EE09118-F6C0-44B1-AEB0-E70B108D11CB}" type="datetime1">
               <a:rPr lang="zh-CN" altLang="en-US" smtClean="0"/>
               <a:pPr/>
-              <a:t>2017/11/9</a:t>
+              <a:t>2019/7/22</a:t>
             </a:fld>
             <a:endParaRPr lang="zh-CN" altLang="en-US"/>
           </a:p>
@@ -7691,7 +7908,19 @@
             <a:pPr lvl="1"/>
             <a:r>
               <a:rPr lang="zh-CN" altLang="en-US" dirty="0"/>
-              <a:t>通过子类引用付了的静态字段，不会导致子类</a:t>
+              <a:t>通过子类</a:t>
+            </a:r>
+            <a:r>
+              <a:rPr lang="zh-CN" altLang="en-US"/>
+              <a:t>引</a:t>
+            </a:r>
+            <a:r>
+              <a:rPr lang="zh-CN" altLang="en-US" smtClean="0"/>
+              <a:t>用父类的</a:t>
+            </a:r>
+            <a:r>
+              <a:rPr lang="zh-CN" altLang="en-US" dirty="0"/>
+              <a:t>静态字段，不会导致子类</a:t>
             </a:r>
             <a:r>
               <a:rPr lang="zh-CN" altLang="en-US" dirty="0" smtClean="0"/>
@@ -7758,7 +7987,7 @@
             <a:fld id="{4EE09118-F6C0-44B1-AEB0-E70B108D11CB}" type="datetime1">
               <a:rPr lang="zh-CN" altLang="en-US" smtClean="0"/>
               <a:pPr/>
-              <a:t>2017/11/9</a:t>
+              <a:t>2019/7/22</a:t>
             </a:fld>
             <a:endParaRPr lang="zh-CN" altLang="en-US"/>
           </a:p>
@@ -7863,7 +8092,7 @@
             <a:fld id="{4EE09118-F6C0-44B1-AEB0-E70B108D11CB}" type="datetime1">
               <a:rPr lang="zh-CN" altLang="en-US" smtClean="0"/>
               <a:pPr/>
-              <a:t>2017/11/9</a:t>
+              <a:t>2019/7/22</a:t>
             </a:fld>
             <a:endParaRPr lang="zh-CN" altLang="en-US"/>
           </a:p>
@@ -8145,7 +8374,7 @@
             <a:fld id="{4EE09118-F6C0-44B1-AEB0-E70B108D11CB}" type="datetime1">
               <a:rPr lang="zh-CN" altLang="en-US" smtClean="0"/>
               <a:pPr/>
-              <a:t>2017/11/9</a:t>
+              <a:t>2019/7/22</a:t>
             </a:fld>
             <a:endParaRPr lang="zh-CN" altLang="en-US"/>
           </a:p>
@@ -8411,7 +8640,7 @@
             <a:fld id="{4EE09118-F6C0-44B1-AEB0-E70B108D11CB}" type="datetime1">
               <a:rPr lang="zh-CN" altLang="en-US" smtClean="0"/>
               <a:pPr/>
-              <a:t>2017/11/9</a:t>
+              <a:t>2019/7/22</a:t>
             </a:fld>
             <a:endParaRPr lang="zh-CN" altLang="en-US"/>
           </a:p>
@@ -8537,7 +8766,7 @@
             <a:fld id="{4EE09118-F6C0-44B1-AEB0-E70B108D11CB}" type="datetime1">
               <a:rPr lang="zh-CN" altLang="en-US" smtClean="0"/>
               <a:pPr/>
-              <a:t>2017/11/9</a:t>
+              <a:t>2019/7/22</a:t>
             </a:fld>
             <a:endParaRPr lang="zh-CN" altLang="en-US"/>
           </a:p>
@@ -8700,7 +8929,7 @@
             <a:fld id="{4EE09118-F6C0-44B1-AEB0-E70B108D11CB}" type="datetime1">
               <a:rPr lang="zh-CN" altLang="en-US" smtClean="0"/>
               <a:pPr/>
-              <a:t>2017/11/9</a:t>
+              <a:t>2019/7/22</a:t>
             </a:fld>
             <a:endParaRPr lang="zh-CN" altLang="en-US"/>
           </a:p>
@@ -9091,7 +9320,7 @@
             <a:fld id="{4EE09118-F6C0-44B1-AEB0-E70B108D11CB}" type="datetime1">
               <a:rPr lang="zh-CN" altLang="en-US" smtClean="0"/>
               <a:pPr/>
-              <a:t>2017/11/9</a:t>
+              <a:t>2019/7/22</a:t>
             </a:fld>
             <a:endParaRPr lang="zh-CN" altLang="en-US"/>
           </a:p>
@@ -9251,7 +9480,7 @@
             <a:fld id="{4EE09118-F6C0-44B1-AEB0-E70B108D11CB}" type="datetime1">
               <a:rPr lang="zh-CN" altLang="en-US" smtClean="0"/>
               <a:pPr/>
-              <a:t>2017/11/9</a:t>
+              <a:t>2019/7/22</a:t>
             </a:fld>
             <a:endParaRPr lang="zh-CN" altLang="en-US"/>
           </a:p>
@@ -9403,7 +9632,7 @@
             <a:fld id="{FFE509C5-9A07-431C-A613-704709B1F7E2}" type="datetime1">
               <a:rPr lang="zh-CN" altLang="en-US" smtClean="0"/>
               <a:pPr/>
-              <a:t>2017/11/9</a:t>
+              <a:t>2019/7/22</a:t>
             </a:fld>
             <a:endParaRPr lang="zh-CN" altLang="en-US"/>
           </a:p>
@@ -9690,7 +9919,7 @@
             <a:fld id="{4EE09118-F6C0-44B1-AEB0-E70B108D11CB}" type="datetime1">
               <a:rPr lang="zh-CN" altLang="en-US" smtClean="0"/>
               <a:pPr/>
-              <a:t>2017/11/9</a:t>
+              <a:t>2019/7/22</a:t>
             </a:fld>
             <a:endParaRPr lang="zh-CN" altLang="en-US"/>
           </a:p>
@@ -10047,7 +10276,7 @@
             <a:fld id="{4EE09118-F6C0-44B1-AEB0-E70B108D11CB}" type="datetime1">
               <a:rPr lang="zh-CN" altLang="en-US" smtClean="0"/>
               <a:pPr/>
-              <a:t>2017/11/9</a:t>
+              <a:t>2019/7/22</a:t>
             </a:fld>
             <a:endParaRPr lang="zh-CN" altLang="en-US"/>
           </a:p>
@@ -10148,7 +10377,7 @@
             <a:fld id="{4EE09118-F6C0-44B1-AEB0-E70B108D11CB}" type="datetime1">
               <a:rPr lang="zh-CN" altLang="en-US" smtClean="0"/>
               <a:pPr/>
-              <a:t>2017/11/9</a:t>
+              <a:t>2019/7/22</a:t>
             </a:fld>
             <a:endParaRPr lang="zh-CN" altLang="en-US"/>
           </a:p>
@@ -10273,7 +10502,7 @@
             <a:fld id="{4EE09118-F6C0-44B1-AEB0-E70B108D11CB}" type="datetime1">
               <a:rPr lang="zh-CN" altLang="en-US" smtClean="0"/>
               <a:pPr/>
-              <a:t>2017/11/9</a:t>
+              <a:t>2019/7/22</a:t>
             </a:fld>
             <a:endParaRPr lang="zh-CN" altLang="en-US"/>
           </a:p>
@@ -10495,7 +10724,7 @@
             <a:fld id="{4EE09118-F6C0-44B1-AEB0-E70B108D11CB}" type="datetime1">
               <a:rPr lang="zh-CN" altLang="en-US" smtClean="0"/>
               <a:pPr/>
-              <a:t>2017/11/9</a:t>
+              <a:t>2019/7/22</a:t>
             </a:fld>
             <a:endParaRPr lang="zh-CN" altLang="en-US"/>
           </a:p>
@@ -10596,7 +10825,7 @@
             <a:fld id="{4EE09118-F6C0-44B1-AEB0-E70B108D11CB}" type="datetime1">
               <a:rPr lang="zh-CN" altLang="en-US" smtClean="0"/>
               <a:pPr/>
-              <a:t>2017/11/9</a:t>
+              <a:t>2019/7/22</a:t>
             </a:fld>
             <a:endParaRPr lang="zh-CN" altLang="en-US"/>
           </a:p>
@@ -10721,7 +10950,7 @@
             <a:fld id="{4EE09118-F6C0-44B1-AEB0-E70B108D11CB}" type="datetime1">
               <a:rPr lang="zh-CN" altLang="en-US" smtClean="0"/>
               <a:pPr/>
-              <a:t>2017/11/9</a:t>
+              <a:t>2019/7/22</a:t>
             </a:fld>
             <a:endParaRPr lang="zh-CN" altLang="en-US"/>
           </a:p>
@@ -10846,7 +11075,7 @@
             <a:fld id="{4EE09118-F6C0-44B1-AEB0-E70B108D11CB}" type="datetime1">
               <a:rPr lang="zh-CN" altLang="en-US" smtClean="0"/>
               <a:pPr/>
-              <a:t>2017/11/9</a:t>
+              <a:t>2019/7/22</a:t>
             </a:fld>
             <a:endParaRPr lang="zh-CN" altLang="en-US"/>
           </a:p>
@@ -10971,7 +11200,7 @@
             <a:fld id="{4EE09118-F6C0-44B1-AEB0-E70B108D11CB}" type="datetime1">
               <a:rPr lang="zh-CN" altLang="en-US" smtClean="0"/>
               <a:pPr/>
-              <a:t>2017/11/9</a:t>
+              <a:t>2019/7/22</a:t>
             </a:fld>
             <a:endParaRPr lang="zh-CN" altLang="en-US"/>
           </a:p>
@@ -11103,7 +11332,7 @@
             <a:fld id="{4EE09118-F6C0-44B1-AEB0-E70B108D11CB}" type="datetime1">
               <a:rPr lang="zh-CN" altLang="en-US" smtClean="0"/>
               <a:pPr/>
-              <a:t>2017/11/9</a:t>
+              <a:t>2019/7/26</a:t>
             </a:fld>
             <a:endParaRPr lang="zh-CN" altLang="en-US"/>
           </a:p>
@@ -11235,7 +11464,7 @@
             <a:fld id="{4EE09118-F6C0-44B1-AEB0-E70B108D11CB}" type="datetime1">
               <a:rPr lang="zh-CN" altLang="en-US" smtClean="0"/>
               <a:pPr/>
-              <a:t>2017/11/9</a:t>
+              <a:t>2019/7/22</a:t>
             </a:fld>
             <a:endParaRPr lang="zh-CN" altLang="en-US"/>
           </a:p>
@@ -11360,7 +11589,7 @@
             <a:fld id="{4EE09118-F6C0-44B1-AEB0-E70B108D11CB}" type="datetime1">
               <a:rPr lang="zh-CN" altLang="en-US" smtClean="0"/>
               <a:pPr/>
-              <a:t>2017/11/9</a:t>
+              <a:t>2019/7/26</a:t>
             </a:fld>
             <a:endParaRPr lang="zh-CN" altLang="en-US"/>
           </a:p>
@@ -11399,7 +11628,7 @@
           <p:nvPr/>
         </p:nvPicPr>
         <p:blipFill>
-          <a:blip r:embed="rId2"/>
+          <a:blip r:embed="rId3"/>
           <a:stretch>
             <a:fillRect/>
           </a:stretch>
@@ -11485,7 +11714,7 @@
             <a:fld id="{4EE09118-F6C0-44B1-AEB0-E70B108D11CB}" type="datetime1">
               <a:rPr lang="zh-CN" altLang="en-US" smtClean="0"/>
               <a:pPr/>
-              <a:t>2017/11/9</a:t>
+              <a:t>2019/7/22</a:t>
             </a:fld>
             <a:endParaRPr lang="zh-CN" altLang="en-US"/>
           </a:p>
@@ -11657,7 +11886,7 @@
             <a:fld id="{FFE509C5-9A07-431C-A613-704709B1F7E2}" type="datetime1">
               <a:rPr lang="zh-CN" altLang="en-US" smtClean="0"/>
               <a:pPr/>
-              <a:t>2017/11/9</a:t>
+              <a:t>2019/7/22</a:t>
             </a:fld>
             <a:endParaRPr lang="zh-CN" altLang="en-US"/>
           </a:p>
@@ -11983,7 +12212,7 @@
             <a:fld id="{4EE09118-F6C0-44B1-AEB0-E70B108D11CB}" type="datetime1">
               <a:rPr lang="zh-CN" altLang="en-US" smtClean="0"/>
               <a:pPr/>
-              <a:t>2017/11/9</a:t>
+              <a:t>2019/7/22</a:t>
             </a:fld>
             <a:endParaRPr lang="zh-CN" altLang="en-US"/>
           </a:p>
@@ -12141,7 +12370,7 @@
             <a:fld id="{FFE509C5-9A07-431C-A613-704709B1F7E2}" type="datetime1">
               <a:rPr lang="zh-CN" altLang="en-US" smtClean="0"/>
               <a:pPr/>
-              <a:t>2017/11/9</a:t>
+              <a:t>2019/7/22</a:t>
             </a:fld>
             <a:endParaRPr lang="zh-CN" altLang="en-US"/>
           </a:p>
@@ -12292,7 +12521,7 @@
             <a:fld id="{4EE09118-F6C0-44B1-AEB0-E70B108D11CB}" type="datetime1">
               <a:rPr lang="zh-CN" altLang="en-US" smtClean="0"/>
               <a:pPr/>
-              <a:t>2017/11/9</a:t>
+              <a:t>2019/7/22</a:t>
             </a:fld>
             <a:endParaRPr lang="zh-CN" altLang="en-US"/>
           </a:p>
@@ -12453,7 +12682,7 @@
             <a:fld id="{4EE09118-F6C0-44B1-AEB0-E70B108D11CB}" type="datetime1">
               <a:rPr lang="zh-CN" altLang="en-US" smtClean="0"/>
               <a:pPr/>
-              <a:t>2017/11/9</a:t>
+              <a:t>2019/7/22</a:t>
             </a:fld>
             <a:endParaRPr lang="zh-CN" altLang="en-US"/>
           </a:p>
@@ -12629,7 +12858,7 @@
             <a:fld id="{FFE509C5-9A07-431C-A613-704709B1F7E2}" type="datetime1">
               <a:rPr lang="zh-CN" altLang="en-US" smtClean="0"/>
               <a:pPr/>
-              <a:t>2017/11/9</a:t>
+              <a:t>2019/7/22</a:t>
             </a:fld>
             <a:endParaRPr lang="zh-CN" altLang="en-US"/>
           </a:p>
@@ -12744,7 +12973,7 @@
             <a:fld id="{4EE09118-F6C0-44B1-AEB0-E70B108D11CB}" type="datetime1">
               <a:rPr lang="zh-CN" altLang="en-US" smtClean="0"/>
               <a:pPr/>
-              <a:t>2017/11/9</a:t>
+              <a:t>2019/7/22</a:t>
             </a:fld>
             <a:endParaRPr lang="zh-CN" altLang="en-US"/>
           </a:p>
@@ -13216,7 +13445,7 @@
             <a:fld id="{4EE09118-F6C0-44B1-AEB0-E70B108D11CB}" type="datetime1">
               <a:rPr lang="zh-CN" altLang="en-US" smtClean="0"/>
               <a:pPr/>
-              <a:t>2017/11/9</a:t>
+              <a:t>2019/7/22</a:t>
             </a:fld>
             <a:endParaRPr lang="zh-CN" altLang="en-US"/>
           </a:p>
@@ -14568,7 +14797,7 @@
             <a:fld id="{4EE09118-F6C0-44B1-AEB0-E70B108D11CB}" type="datetime1">
               <a:rPr lang="zh-CN" altLang="en-US" smtClean="0"/>
               <a:pPr/>
-              <a:t>2017/11/9</a:t>
+              <a:t>2019/7/22</a:t>
             </a:fld>
             <a:endParaRPr lang="zh-CN" altLang="en-US"/>
           </a:p>
@@ -16264,7 +16493,7 @@
             <a:fld id="{4EE09118-F6C0-44B1-AEB0-E70B108D11CB}" type="datetime1">
               <a:rPr lang="zh-CN" altLang="en-US" smtClean="0"/>
               <a:pPr/>
-              <a:t>2017/11/9</a:t>
+              <a:t>2019/7/22</a:t>
             </a:fld>
             <a:endParaRPr lang="zh-CN" altLang="en-US"/>
           </a:p>
@@ -16408,7 +16637,7 @@
             <a:fld id="{4EE09118-F6C0-44B1-AEB0-E70B108D11CB}" type="datetime1">
               <a:rPr lang="zh-CN" altLang="en-US" smtClean="0"/>
               <a:pPr/>
-              <a:t>2017/11/9</a:t>
+              <a:t>2019/7/22</a:t>
             </a:fld>
             <a:endParaRPr lang="zh-CN" altLang="en-US"/>
           </a:p>
@@ -16509,7 +16738,7 @@
             <a:fld id="{4EE09118-F6C0-44B1-AEB0-E70B108D11CB}" type="datetime1">
               <a:rPr lang="zh-CN" altLang="en-US" smtClean="0"/>
               <a:pPr/>
-              <a:t>2017/11/9</a:t>
+              <a:t>2019/7/22</a:t>
             </a:fld>
             <a:endParaRPr lang="zh-CN" altLang="en-US"/>
           </a:p>
@@ -16760,7 +16989,7 @@
             <a:fld id="{4EE09118-F6C0-44B1-AEB0-E70B108D11CB}" type="datetime1">
               <a:rPr lang="zh-CN" altLang="en-US" smtClean="0"/>
               <a:pPr/>
-              <a:t>2017/11/9</a:t>
+              <a:t>2019/7/22</a:t>
             </a:fld>
             <a:endParaRPr lang="zh-CN" altLang="en-US"/>
           </a:p>
@@ -16885,7 +17114,7 @@
             <a:fld id="{4EE09118-F6C0-44B1-AEB0-E70B108D11CB}" type="datetime1">
               <a:rPr lang="zh-CN" altLang="en-US" smtClean="0"/>
               <a:pPr/>
-              <a:t>2017/11/9</a:t>
+              <a:t>2019/7/22</a:t>
             </a:fld>
             <a:endParaRPr lang="zh-CN" altLang="en-US"/>
           </a:p>
@@ -17041,7 +17270,7 @@
             <a:fld id="{4EE09118-F6C0-44B1-AEB0-E70B108D11CB}" type="datetime1">
               <a:rPr lang="zh-CN" altLang="en-US" smtClean="0"/>
               <a:pPr/>
-              <a:t>2017/11/9</a:t>
+              <a:t>2019/7/22</a:t>
             </a:fld>
             <a:endParaRPr lang="zh-CN" altLang="en-US"/>
           </a:p>
@@ -17220,7 +17449,7 @@
             <a:fld id="{4EE09118-F6C0-44B1-AEB0-E70B108D11CB}" type="datetime1">
               <a:rPr lang="zh-CN" altLang="en-US" smtClean="0"/>
               <a:pPr/>
-              <a:t>2017/11/9</a:t>
+              <a:t>2019/7/22</a:t>
             </a:fld>
             <a:endParaRPr lang="zh-CN" altLang="en-US"/>
           </a:p>
@@ -17339,7 +17568,7 @@
             <a:fld id="{4EE09118-F6C0-44B1-AEB0-E70B108D11CB}" type="datetime1">
               <a:rPr lang="zh-CN" altLang="en-US" smtClean="0"/>
               <a:pPr/>
-              <a:t>2017/11/9</a:t>
+              <a:t>2019/7/22</a:t>
             </a:fld>
             <a:endParaRPr lang="zh-CN" altLang="en-US"/>
           </a:p>
@@ -17468,7 +17697,7 @@
             <a:fld id="{4EE09118-F6C0-44B1-AEB0-E70B108D11CB}" type="datetime1">
               <a:rPr lang="zh-CN" altLang="en-US" smtClean="0"/>
               <a:pPr/>
-              <a:t>2017/11/9</a:t>
+              <a:t>2019/7/22</a:t>
             </a:fld>
             <a:endParaRPr lang="zh-CN" altLang="en-US"/>
           </a:p>
@@ -18045,7 +18274,7 @@
             <a:fld id="{4EE09118-F6C0-44B1-AEB0-E70B108D11CB}" type="datetime1">
               <a:rPr lang="zh-CN" altLang="en-US" smtClean="0"/>
               <a:pPr/>
-              <a:t>2017/11/9</a:t>
+              <a:t>2019/7/22</a:t>
             </a:fld>
             <a:endParaRPr lang="zh-CN" altLang="en-US"/>
           </a:p>
@@ -18178,7 +18407,7 @@
             <a:fld id="{4EE09118-F6C0-44B1-AEB0-E70B108D11CB}" type="datetime1">
               <a:rPr lang="zh-CN" altLang="en-US" smtClean="0"/>
               <a:pPr/>
-              <a:t>2017/11/9</a:t>
+              <a:t>2019/7/22</a:t>
             </a:fld>
             <a:endParaRPr lang="zh-CN" altLang="en-US"/>
           </a:p>
@@ -18338,7 +18567,7 @@
             <a:fld id="{4EE09118-F6C0-44B1-AEB0-E70B108D11CB}" type="datetime1">
               <a:rPr lang="zh-CN" altLang="en-US" smtClean="0"/>
               <a:pPr/>
-              <a:t>2017/11/9</a:t>
+              <a:t>2019/7/22</a:t>
             </a:fld>
             <a:endParaRPr lang="zh-CN" altLang="en-US"/>
           </a:p>
@@ -18568,7 +18797,7 @@
             <a:fld id="{4EE09118-F6C0-44B1-AEB0-E70B108D11CB}" type="datetime1">
               <a:rPr lang="zh-CN" altLang="en-US" smtClean="0"/>
               <a:pPr/>
-              <a:t>2017/11/9</a:t>
+              <a:t>2019/7/22</a:t>
             </a:fld>
             <a:endParaRPr lang="zh-CN" altLang="en-US"/>
           </a:p>
@@ -19594,7 +19823,7 @@
             <a:fld id="{4EE09118-F6C0-44B1-AEB0-E70B108D11CB}" type="datetime1">
               <a:rPr lang="zh-CN" altLang="en-US" smtClean="0"/>
               <a:pPr/>
-              <a:t>2017/11/9</a:t>
+              <a:t>2019/7/22</a:t>
             </a:fld>
             <a:endParaRPr lang="zh-CN" altLang="en-US"/>
           </a:p>
@@ -19776,7 +20005,7 @@
             <a:fld id="{4EE09118-F6C0-44B1-AEB0-E70B108D11CB}" type="datetime1">
               <a:rPr lang="zh-CN" altLang="en-US" smtClean="0"/>
               <a:pPr/>
-              <a:t>2017/11/9</a:t>
+              <a:t>2019/7/22</a:t>
             </a:fld>
             <a:endParaRPr lang="zh-CN" altLang="en-US"/>
           </a:p>
@@ -19881,7 +20110,7 @@
             <a:fld id="{4EE09118-F6C0-44B1-AEB0-E70B108D11CB}" type="datetime1">
               <a:rPr lang="zh-CN" altLang="en-US" smtClean="0"/>
               <a:pPr/>
-              <a:t>2017/11/9</a:t>
+              <a:t>2019/7/22</a:t>
             </a:fld>
             <a:endParaRPr lang="zh-CN" altLang="en-US"/>
           </a:p>
@@ -20069,7 +20298,7 @@
             <a:fld id="{4EE09118-F6C0-44B1-AEB0-E70B108D11CB}" type="datetime1">
               <a:rPr lang="zh-CN" altLang="en-US" smtClean="0"/>
               <a:pPr/>
-              <a:t>2017/11/9</a:t>
+              <a:t>2019/7/22</a:t>
             </a:fld>
             <a:endParaRPr lang="zh-CN" altLang="en-US"/>
           </a:p>
@@ -20228,7 +20457,7 @@
             <a:fld id="{4EE09118-F6C0-44B1-AEB0-E70B108D11CB}" type="datetime1">
               <a:rPr lang="zh-CN" altLang="en-US" smtClean="0"/>
               <a:pPr/>
-              <a:t>2017/11/9</a:t>
+              <a:t>2019/7/22</a:t>
             </a:fld>
             <a:endParaRPr lang="zh-CN" altLang="en-US"/>
           </a:p>
@@ -20413,7 +20642,7 @@
             <a:fld id="{4EE09118-F6C0-44B1-AEB0-E70B108D11CB}" type="datetime1">
               <a:rPr lang="zh-CN" altLang="en-US" smtClean="0"/>
               <a:pPr/>
-              <a:t>2017/11/9</a:t>
+              <a:t>2019/7/22</a:t>
             </a:fld>
             <a:endParaRPr lang="zh-CN" altLang="en-US"/>
           </a:p>
@@ -20594,7 +20823,7 @@
             <a:fld id="{4EE09118-F6C0-44B1-AEB0-E70B108D11CB}" type="datetime1">
               <a:rPr lang="zh-CN" altLang="en-US" smtClean="0"/>
               <a:pPr/>
-              <a:t>2017/11/9</a:t>
+              <a:t>2019/7/22</a:t>
             </a:fld>
             <a:endParaRPr lang="zh-CN" altLang="en-US"/>
           </a:p>
@@ -20743,7 +20972,7 @@
             <a:fld id="{4EE09118-F6C0-44B1-AEB0-E70B108D11CB}" type="datetime1">
               <a:rPr lang="zh-CN" altLang="en-US" smtClean="0"/>
               <a:pPr/>
-              <a:t>2017/11/9</a:t>
+              <a:t>2019/7/22</a:t>
             </a:fld>
             <a:endParaRPr lang="zh-CN" altLang="en-US"/>
           </a:p>
@@ -21108,7 +21337,7 @@
             <a:fld id="{4EE09118-F6C0-44B1-AEB0-E70B108D11CB}" type="datetime1">
               <a:rPr lang="zh-CN" altLang="en-US" smtClean="0"/>
               <a:pPr/>
-              <a:t>2017/11/9</a:t>
+              <a:t>2019/7/22</a:t>
             </a:fld>
             <a:endParaRPr lang="zh-CN" altLang="en-US"/>
           </a:p>
@@ -21252,7 +21481,7 @@
             <a:fld id="{4EE09118-F6C0-44B1-AEB0-E70B108D11CB}" type="datetime1">
               <a:rPr lang="zh-CN" altLang="en-US" smtClean="0"/>
               <a:pPr/>
-              <a:t>2017/11/9</a:t>
+              <a:t>2019/7/22</a:t>
             </a:fld>
             <a:endParaRPr lang="zh-CN" altLang="en-US"/>
           </a:p>
@@ -21353,7 +21582,7 @@
             <a:fld id="{FFE509C5-9A07-431C-A613-704709B1F7E2}" type="datetime1">
               <a:rPr lang="zh-CN" altLang="en-US" smtClean="0"/>
               <a:pPr/>
-              <a:t>2017/11/9</a:t>
+              <a:t>2019/7/22</a:t>
             </a:fld>
             <a:endParaRPr lang="zh-CN" altLang="en-US"/>
           </a:p>
@@ -21514,7 +21743,7 @@
             <a:fld id="{4EE09118-F6C0-44B1-AEB0-E70B108D11CB}" type="datetime1">
               <a:rPr lang="zh-CN" altLang="en-US" smtClean="0"/>
               <a:pPr/>
-              <a:t>2017/11/9</a:t>
+              <a:t>2019/7/22</a:t>
             </a:fld>
             <a:endParaRPr lang="zh-CN" altLang="en-US"/>
           </a:p>
@@ -21704,7 +21933,7 @@
             <a:fld id="{4EE09118-F6C0-44B1-AEB0-E70B108D11CB}" type="datetime1">
               <a:rPr lang="zh-CN" altLang="en-US" smtClean="0"/>
               <a:pPr/>
-              <a:t>2017/11/9</a:t>
+              <a:t>2019/7/22</a:t>
             </a:fld>
             <a:endParaRPr lang="zh-CN" altLang="en-US"/>
           </a:p>
@@ -22152,7 +22381,7 @@
             <a:fld id="{4EE09118-F6C0-44B1-AEB0-E70B108D11CB}" type="datetime1">
               <a:rPr lang="zh-CN" altLang="en-US" smtClean="0"/>
               <a:pPr/>
-              <a:t>2017/11/9</a:t>
+              <a:t>2019/7/22</a:t>
             </a:fld>
             <a:endParaRPr lang="zh-CN" altLang="en-US"/>
           </a:p>
@@ -22276,7 +22505,7 @@
             <a:fld id="{4EE09118-F6C0-44B1-AEB0-E70B108D11CB}" type="datetime1">
               <a:rPr lang="zh-CN" altLang="en-US" smtClean="0"/>
               <a:pPr/>
-              <a:t>2017/11/9</a:t>
+              <a:t>2019/7/22</a:t>
             </a:fld>
             <a:endParaRPr lang="zh-CN" altLang="en-US"/>
           </a:p>
@@ -22447,7 +22676,7 @@
             <a:fld id="{4EE09118-F6C0-44B1-AEB0-E70B108D11CB}" type="datetime1">
               <a:rPr lang="zh-CN" altLang="en-US" smtClean="0"/>
               <a:pPr/>
-              <a:t>2017/11/9</a:t>
+              <a:t>2019/7/22</a:t>
             </a:fld>
             <a:endParaRPr lang="zh-CN" altLang="en-US"/>
           </a:p>
@@ -22571,7 +22800,7 @@
             <a:fld id="{4EE09118-F6C0-44B1-AEB0-E70B108D11CB}" type="datetime1">
               <a:rPr lang="zh-CN" altLang="en-US" smtClean="0"/>
               <a:pPr/>
-              <a:t>2017/11/9</a:t>
+              <a:t>2019/7/22</a:t>
             </a:fld>
             <a:endParaRPr lang="zh-CN" altLang="en-US"/>
           </a:p>
@@ -22678,7 +22907,7 @@
             <a:fld id="{4EE09118-F6C0-44B1-AEB0-E70B108D11CB}" type="datetime1">
               <a:rPr lang="zh-CN" altLang="en-US" smtClean="0"/>
               <a:pPr/>
-              <a:t>2017/11/9</a:t>
+              <a:t>2019/7/22</a:t>
             </a:fld>
             <a:endParaRPr lang="zh-CN" altLang="en-US"/>
           </a:p>
@@ -22839,7 +23068,7 @@
             <a:fld id="{4EE09118-F6C0-44B1-AEB0-E70B108D11CB}" type="datetime1">
               <a:rPr lang="zh-CN" altLang="en-US" smtClean="0"/>
               <a:pPr/>
-              <a:t>2017/11/9</a:t>
+              <a:t>2019/7/22</a:t>
             </a:fld>
             <a:endParaRPr lang="zh-CN" altLang="en-US"/>
           </a:p>
@@ -23091,7 +23320,7 @@
             <a:fld id="{4EE09118-F6C0-44B1-AEB0-E70B108D11CB}" type="datetime1">
               <a:rPr lang="zh-CN" altLang="en-US" smtClean="0"/>
               <a:pPr/>
-              <a:t>2017/11/9</a:t>
+              <a:t>2019/7/22</a:t>
             </a:fld>
             <a:endParaRPr lang="zh-CN" altLang="en-US"/>
           </a:p>
@@ -23546,7 +23775,7 @@
             <a:fld id="{4EE09118-F6C0-44B1-AEB0-E70B108D11CB}" type="datetime1">
               <a:rPr lang="zh-CN" altLang="en-US" smtClean="0"/>
               <a:pPr/>
-              <a:t>2017/11/9</a:t>
+              <a:t>2019/7/22</a:t>
             </a:fld>
             <a:endParaRPr lang="zh-CN" altLang="en-US"/>
           </a:p>
@@ -24012,7 +24241,7 @@
             <a:fld id="{4EE09118-F6C0-44B1-AEB0-E70B108D11CB}" type="datetime1">
               <a:rPr lang="zh-CN" altLang="en-US" smtClean="0"/>
               <a:pPr/>
-              <a:t>2017/11/9</a:t>
+              <a:t>2019/7/22</a:t>
             </a:fld>
             <a:endParaRPr lang="zh-CN" altLang="en-US"/>
           </a:p>
@@ -24169,7 +24398,7 @@
             <a:fld id="{4EE09118-F6C0-44B1-AEB0-E70B108D11CB}" type="datetime1">
               <a:rPr lang="zh-CN" altLang="en-US" smtClean="0"/>
               <a:pPr/>
-              <a:t>2017/11/9</a:t>
+              <a:t>2019/7/22</a:t>
             </a:fld>
             <a:endParaRPr lang="zh-CN" altLang="en-US"/>
           </a:p>
@@ -24277,7 +24506,7 @@
             <a:fld id="{4EE09118-F6C0-44B1-AEB0-E70B108D11CB}" type="datetime1">
               <a:rPr lang="zh-CN" altLang="en-US" smtClean="0"/>
               <a:pPr/>
-              <a:t>2017/11/9</a:t>
+              <a:t>2019/7/22</a:t>
             </a:fld>
             <a:endParaRPr lang="zh-CN" altLang="en-US"/>
           </a:p>
@@ -24409,7 +24638,7 @@
             <a:fld id="{4EE09118-F6C0-44B1-AEB0-E70B108D11CB}" type="datetime1">
               <a:rPr lang="zh-CN" altLang="en-US" smtClean="0"/>
               <a:pPr/>
-              <a:t>2017/11/9</a:t>
+              <a:t>2019/7/22</a:t>
             </a:fld>
             <a:endParaRPr lang="zh-CN" altLang="en-US"/>
           </a:p>
@@ -24538,7 +24767,7 @@
             <a:fld id="{4EE09118-F6C0-44B1-AEB0-E70B108D11CB}" type="datetime1">
               <a:rPr lang="zh-CN" altLang="en-US" smtClean="0"/>
               <a:pPr/>
-              <a:t>2017/11/9</a:t>
+              <a:t>2019/7/22</a:t>
             </a:fld>
             <a:endParaRPr lang="zh-CN" altLang="en-US"/>
           </a:p>
@@ -24902,7 +25131,7 @@
             <a:fld id="{4EE09118-F6C0-44B1-AEB0-E70B108D11CB}" type="datetime1">
               <a:rPr lang="zh-CN" altLang="en-US" smtClean="0"/>
               <a:pPr/>
-              <a:t>2017/11/9</a:t>
+              <a:t>2019/7/22</a:t>
             </a:fld>
             <a:endParaRPr lang="zh-CN" altLang="en-US"/>
           </a:p>
@@ -25215,7 +25444,7 @@
             <a:fld id="{4EE09118-F6C0-44B1-AEB0-E70B108D11CB}" type="datetime1">
               <a:rPr lang="zh-CN" altLang="en-US" smtClean="0"/>
               <a:pPr/>
-              <a:t>2017/11/9</a:t>
+              <a:t>2019/7/22</a:t>
             </a:fld>
             <a:endParaRPr lang="zh-CN" altLang="en-US"/>
           </a:p>
@@ -25774,7 +26003,7 @@
             <a:fld id="{4EE09118-F6C0-44B1-AEB0-E70B108D11CB}" type="datetime1">
               <a:rPr lang="zh-CN" altLang="en-US" smtClean="0"/>
               <a:pPr/>
-              <a:t>2017/11/9</a:t>
+              <a:t>2019/7/22</a:t>
             </a:fld>
             <a:endParaRPr lang="zh-CN" altLang="en-US"/>
           </a:p>
@@ -25947,7 +26176,7 @@
             <a:fld id="{4EE09118-F6C0-44B1-AEB0-E70B108D11CB}" type="datetime1">
               <a:rPr lang="zh-CN" altLang="en-US" smtClean="0"/>
               <a:pPr/>
-              <a:t>2017/11/9</a:t>
+              <a:t>2019/7/22</a:t>
             </a:fld>
             <a:endParaRPr lang="zh-CN" altLang="en-US"/>
           </a:p>
@@ -26052,7 +26281,7 @@
             <a:fld id="{4EE09118-F6C0-44B1-AEB0-E70B108D11CB}" type="datetime1">
               <a:rPr lang="zh-CN" altLang="en-US" smtClean="0"/>
               <a:pPr/>
-              <a:t>2017/11/9</a:t>
+              <a:t>2019/7/22</a:t>
             </a:fld>
             <a:endParaRPr lang="zh-CN" altLang="en-US"/>
           </a:p>
@@ -26181,7 +26410,7 @@
             <a:fld id="{4EE09118-F6C0-44B1-AEB0-E70B108D11CB}" type="datetime1">
               <a:rPr lang="zh-CN" altLang="en-US" smtClean="0"/>
               <a:pPr/>
-              <a:t>2017/11/9</a:t>
+              <a:t>2019/7/22</a:t>
             </a:fld>
             <a:endParaRPr lang="zh-CN" altLang="en-US"/>
           </a:p>
@@ -26324,7 +26553,7 @@
             <a:fld id="{4EE09118-F6C0-44B1-AEB0-E70B108D11CB}" type="datetime1">
               <a:rPr lang="zh-CN" altLang="en-US" smtClean="0"/>
               <a:pPr/>
-              <a:t>2017/11/9</a:t>
+              <a:t>2019/7/22</a:t>
             </a:fld>
             <a:endParaRPr lang="zh-CN" altLang="en-US"/>
           </a:p>
@@ -26455,7 +26684,7 @@
             <a:fld id="{4EE09118-F6C0-44B1-AEB0-E70B108D11CB}" type="datetime1">
               <a:rPr lang="zh-CN" altLang="en-US" smtClean="0"/>
               <a:pPr/>
-              <a:t>2017/11/9</a:t>
+              <a:t>2019/7/22</a:t>
             </a:fld>
             <a:endParaRPr lang="zh-CN" altLang="en-US"/>
           </a:p>
@@ -26640,7 +26869,7 @@
             <a:fld id="{4EE09118-F6C0-44B1-AEB0-E70B108D11CB}" type="datetime1">
               <a:rPr lang="zh-CN" altLang="en-US" smtClean="0"/>
               <a:pPr/>
-              <a:t>2017/11/9</a:t>
+              <a:t>2019/7/22</a:t>
             </a:fld>
             <a:endParaRPr lang="zh-CN" altLang="en-US"/>
           </a:p>
@@ -27123,7 +27352,7 @@
             <a:fld id="{4EE09118-F6C0-44B1-AEB0-E70B108D11CB}" type="datetime1">
               <a:rPr lang="zh-CN" altLang="en-US" smtClean="0"/>
               <a:pPr/>
-              <a:t>2017/11/9</a:t>
+              <a:t>2019/7/22</a:t>
             </a:fld>
             <a:endParaRPr lang="zh-CN" altLang="en-US"/>
           </a:p>
@@ -27249,7 +27478,7 @@
             <a:fld id="{4EE09118-F6C0-44B1-AEB0-E70B108D11CB}" type="datetime1">
               <a:rPr lang="zh-CN" altLang="en-US" smtClean="0"/>
               <a:pPr/>
-              <a:t>2017/11/9</a:t>
+              <a:t>2019/7/22</a:t>
             </a:fld>
             <a:endParaRPr lang="zh-CN" altLang="en-US"/>
           </a:p>
@@ -27381,7 +27610,7 @@
             <a:fld id="{4EE09118-F6C0-44B1-AEB0-E70B108D11CB}" type="datetime1">
               <a:rPr lang="zh-CN" altLang="en-US" smtClean="0"/>
               <a:pPr/>
-              <a:t>2017/11/9</a:t>
+              <a:t>2019/7/22</a:t>
             </a:fld>
             <a:endParaRPr lang="zh-CN" altLang="en-US"/>
           </a:p>
@@ -27934,7 +28163,7 @@
             <a:fld id="{4EE09118-F6C0-44B1-AEB0-E70B108D11CB}" type="datetime1">
               <a:rPr lang="zh-CN" altLang="en-US" smtClean="0"/>
               <a:pPr/>
-              <a:t>2017/11/9</a:t>
+              <a:t>2019/7/22</a:t>
             </a:fld>
             <a:endParaRPr lang="zh-CN" altLang="en-US"/>
           </a:p>
@@ -28069,7 +28298,7 @@
             <a:fld id="{4EE09118-F6C0-44B1-AEB0-E70B108D11CB}" type="datetime1">
               <a:rPr lang="zh-CN" altLang="en-US" smtClean="0"/>
               <a:pPr/>
-              <a:t>2017/11/9</a:t>
+              <a:t>2019/7/22</a:t>
             </a:fld>
             <a:endParaRPr lang="zh-CN" altLang="en-US"/>
           </a:p>
